--- a/2021/11/观澜富士康项目/光学+机械初版方案/手机中框抛光后PVD前清洗检测方案.pptx
+++ b/2021/11/观澜富士康项目/光学+机械初版方案/手机中框抛光后PVD前清洗检测方案.pptx
@@ -116,6 +116,22 @@
       </a:defRPr>
     </a:lvl9pPr>
   </p:defaultTextStyle>
+  <p:extLst>
+    <p:ext uri="{EFAFB233-063F-42B5-8137-9DF3F51BA10A}">
+      <p15:sldGuideLst xmlns:p15="http://schemas.microsoft.com/office/powerpoint/2012/main">
+        <p15:guide id="1" orient="horz" pos="2160">
+          <p15:clr>
+            <a:srgbClr val="A4A3A4"/>
+          </p15:clr>
+        </p15:guide>
+        <p15:guide id="2" pos="3840">
+          <p15:clr>
+            <a:srgbClr val="A4A3A4"/>
+          </p15:clr>
+        </p15:guide>
+      </p15:sldGuideLst>
+    </p:ext>
+  </p:extLst>
 </p:presentation>
 </file>
 
@@ -5569,19 +5585,6 @@
                 <a:defRPr/>
               </a:pPr>
               <a:r>
-                <a:rPr kumimoji="1" lang="zh-CN" altLang="en-US" sz="2800" b="1" kern="0" dirty="0" smtClean="0">
-                  <a:solidFill>
-                    <a:schemeClr val="bg1">
-                      <a:lumMod val="75000"/>
-                    </a:schemeClr>
-                  </a:solidFill>
-                  <a:latin typeface="Arial" panose="020B0604020202020204" pitchFamily="34" charset="0"/>
-                  <a:ea typeface="黑体" panose="02010609060101010101" pitchFamily="49" charset="-122"/>
-                  <a:cs typeface="Arial" panose="020B0604020202020204" pitchFamily="34" charset="0"/>
-                </a:rPr>
-                <a:t>概念整机</a:t>
-              </a:r>
-              <a:r>
                 <a:rPr kumimoji="1" lang="zh-CN" altLang="en-US" sz="2800" b="1" kern="0" dirty="0">
                   <a:solidFill>
                     <a:schemeClr val="bg1">
@@ -5592,7 +5595,7 @@
                   <a:ea typeface="黑体" panose="02010609060101010101" pitchFamily="49" charset="-122"/>
                   <a:cs typeface="Arial" panose="020B0604020202020204" pitchFamily="34" charset="0"/>
                 </a:rPr>
-                <a:t>设计方案</a:t>
+                <a:t>概念整机设计方案</a:t>
               </a:r>
             </a:p>
           </p:txBody>
@@ -5763,7 +5766,7 @@
                 <a:defRPr/>
               </a:pPr>
               <a:r>
-                <a:rPr kumimoji="1" lang="zh-CN" altLang="en-US" sz="2800" b="1" kern="0" dirty="0" smtClean="0">
+                <a:rPr kumimoji="1" lang="zh-CN" altLang="en-US" sz="2800" b="1" kern="0" dirty="0">
                   <a:solidFill>
                     <a:srgbClr val="0070C0"/>
                   </a:solidFill>
@@ -5773,14 +5776,6 @@
                 </a:rPr>
                 <a:t>项目背景</a:t>
               </a:r>
-              <a:endParaRPr kumimoji="1" lang="zh-CN" altLang="en-US" sz="2800" b="1" kern="0" dirty="0">
-                <a:solidFill>
-                  <a:srgbClr val="0070C0"/>
-                </a:solidFill>
-                <a:latin typeface="Arial" panose="020B0604020202020204" pitchFamily="34" charset="0"/>
-                <a:ea typeface="黑体" panose="02010609060101010101" pitchFamily="49" charset="-122"/>
-                <a:cs typeface="Arial" panose="020B0604020202020204" pitchFamily="34" charset="0"/>
-              </a:endParaRPr>
             </a:p>
           </p:txBody>
         </p:sp>
@@ -5995,7 +5990,7 @@
           <p:cNvPr id="8" name="图片 7">
             <a:extLst>
               <a:ext uri="{FF2B5EF4-FFF2-40B4-BE49-F238E27FC236}">
-                <a16:creationId xmlns="" xmlns:a16="http://schemas.microsoft.com/office/drawing/2014/main" id="{8B9036A3-1104-46BA-8D1E-D6CDF731C0DD}"/>
+                <a16:creationId xmlns:a16="http://schemas.microsoft.com/office/drawing/2014/main" id="{8B9036A3-1104-46BA-8D1E-D6CDF731C0DD}"/>
               </a:ext>
             </a:extLst>
           </p:cNvPr>
@@ -6110,7 +6105,7 @@
           <p:cNvPr id="6" name="TextBox 2">
             <a:extLst>
               <a:ext uri="{FF2B5EF4-FFF2-40B4-BE49-F238E27FC236}">
-                <a16:creationId xmlns="" xmlns:a16="http://schemas.microsoft.com/office/drawing/2014/main" id="{C0D673B8-1266-43C9-B22D-85F3B86312FA}"/>
+                <a16:creationId xmlns:a16="http://schemas.microsoft.com/office/drawing/2014/main" id="{C0D673B8-1266-43C9-B22D-85F3B86312FA}"/>
               </a:ext>
             </a:extLst>
           </p:cNvPr>
@@ -6839,10 +6834,9 @@
           <a:lstStyle/>
           <a:p>
             <a:r>
-              <a:rPr lang="en-US" altLang="zh-CN" dirty="0" smtClean="0"/>
+              <a:rPr lang="en-US" altLang="zh-CN" dirty="0"/>
               <a:t>1020mm</a:t>
             </a:r>
-            <a:endParaRPr lang="en-US" altLang="zh-CN" dirty="0"/>
           </a:p>
         </p:txBody>
       </p:sp>
@@ -6903,10 +6897,9 @@
           <a:lstStyle/>
           <a:p>
             <a:r>
-              <a:rPr lang="en-US" altLang="zh-CN" dirty="0" smtClean="0"/>
+              <a:rPr lang="en-US" altLang="zh-CN" dirty="0"/>
               <a:t>870mm</a:t>
             </a:r>
-            <a:endParaRPr lang="en-US" altLang="zh-CN" dirty="0"/>
           </a:p>
         </p:txBody>
       </p:sp>
@@ -7310,10 +7303,9 @@
           <a:lstStyle/>
           <a:p>
             <a:r>
-              <a:rPr lang="en-US" altLang="zh-CN" dirty="0" smtClean="0"/>
+              <a:rPr lang="en-US" altLang="zh-CN" dirty="0"/>
               <a:t>1500mm</a:t>
             </a:r>
-            <a:endParaRPr lang="en-US" altLang="zh-CN" dirty="0"/>
           </a:p>
         </p:txBody>
       </p:sp>
@@ -7444,7 +7436,7 @@
           <a:lstStyle/>
           <a:p>
             <a:r>
-              <a:rPr lang="en-US" altLang="zh-CN" dirty="0" smtClean="0"/>
+              <a:rPr lang="en-US" altLang="zh-CN" dirty="0"/>
               <a:t>1800mm</a:t>
             </a:r>
             <a:endParaRPr lang="zh-CN" altLang="en-US" dirty="0"/>
@@ -7578,10 +7570,9 @@
           <a:lstStyle/>
           <a:p>
             <a:r>
-              <a:rPr lang="en-US" altLang="zh-CN" dirty="0" smtClean="0"/>
+              <a:rPr lang="en-US" altLang="zh-CN" dirty="0"/>
               <a:t>2200mm</a:t>
             </a:r>
-            <a:endParaRPr lang="en-US" altLang="zh-CN" dirty="0"/>
           </a:p>
         </p:txBody>
       </p:sp>
@@ -7641,7 +7632,7 @@
               <a:t>0.5~0.7 </a:t>
             </a:r>
             <a:r>
-              <a:rPr lang="en-US" altLang="zh-CN" sz="1600" dirty="0" err="1" smtClean="0">
+              <a:rPr lang="en-US" altLang="zh-CN" sz="1600" dirty="0" err="1">
                 <a:latin typeface="+mn-ea"/>
                 <a:cs typeface="+mn-ea"/>
               </a:rPr>
@@ -7663,16 +7654,9 @@
                 <a:latin typeface="+mn-ea"/>
                 <a:cs typeface="+mn-ea"/>
               </a:rPr>
-              <a:t>设备尺寸</a:t>
-            </a:r>
-            <a:r>
-              <a:rPr lang="zh-CN" altLang="en-US" sz="1600" dirty="0" smtClean="0">
-                <a:latin typeface="+mn-ea"/>
-                <a:cs typeface="+mn-ea"/>
-              </a:rPr>
-              <a:t>：参照上图</a:t>
-            </a:r>
-            <a:endParaRPr lang="en-US" altLang="zh-CN" sz="1600" dirty="0" smtClean="0">
+              <a:t>设备尺寸：参照上图</a:t>
+            </a:r>
+            <a:endParaRPr lang="en-US" altLang="zh-CN" sz="1600" dirty="0">
               <a:latin typeface="+mn-ea"/>
               <a:cs typeface="+mn-ea"/>
             </a:endParaRPr>
@@ -7684,7 +7668,7 @@
               </a:lnSpc>
             </a:pPr>
             <a:r>
-              <a:rPr lang="en-US" altLang="zh-CN" sz="1600" dirty="0" smtClean="0">
+              <a:rPr lang="en-US" altLang="zh-CN" sz="1600" dirty="0">
                 <a:latin typeface="+mn-ea"/>
                 <a:cs typeface="+mn-ea"/>
               </a:rPr>
@@ -7723,21 +7707,7 @@
                 <a:latin typeface="+mn-ea"/>
                 <a:cs typeface="+mn-ea"/>
               </a:rPr>
-              <a:t>色</a:t>
-            </a:r>
-            <a:r>
-              <a:rPr lang="zh-CN" altLang="en-US" sz="1600" dirty="0" smtClean="0">
-                <a:latin typeface="+mn-ea"/>
-                <a:cs typeface="+mn-ea"/>
-              </a:rPr>
-              <a:t>灯高度</a:t>
-            </a:r>
-            <a:r>
-              <a:rPr lang="zh-CN" altLang="en-US" sz="1600" dirty="0">
-                <a:latin typeface="+mn-ea"/>
-                <a:cs typeface="+mn-ea"/>
-              </a:rPr>
-              <a:t>，实际尺寸已最终</a:t>
+              <a:t>色灯高度，实际尺寸已最终</a:t>
             </a:r>
             <a:r>
               <a:rPr lang="en-US" altLang="zh-CN" sz="1600" dirty="0">
@@ -7937,10 +7907,10 @@
                 <a:cs typeface="+mn-ea"/>
                 <a:sym typeface="+mn-ea"/>
               </a:rPr>
-              <a:t>整机</a:t>
-            </a:r>
-            <a:r>
-              <a:rPr lang="zh-CN" altLang="en-US" dirty="0" smtClean="0">
+              <a:t>整机设计方案</a:t>
+            </a:r>
+            <a:r>
+              <a:rPr lang="en-US" altLang="zh-CN" dirty="0">
                 <a:solidFill>
                   <a:srgbClr val="006DB2"/>
                 </a:solidFill>
@@ -7949,10 +7919,10 @@
                 <a:cs typeface="+mn-ea"/>
                 <a:sym typeface="+mn-ea"/>
               </a:rPr>
-              <a:t>设计方案</a:t>
-            </a:r>
-            <a:r>
-              <a:rPr lang="en-US" altLang="zh-CN" dirty="0" smtClean="0">
+              <a:t>-</a:t>
+            </a:r>
+            <a:r>
+              <a:rPr lang="zh-CN" altLang="en-US" dirty="0">
                 <a:solidFill>
                   <a:srgbClr val="006DB2"/>
                 </a:solidFill>
@@ -7961,29 +7931,8 @@
                 <a:cs typeface="+mn-ea"/>
                 <a:sym typeface="+mn-ea"/>
               </a:rPr>
-              <a:t>-</a:t>
-            </a:r>
-            <a:r>
-              <a:rPr lang="zh-CN" altLang="en-US" dirty="0" smtClean="0">
-                <a:solidFill>
-                  <a:srgbClr val="006DB2"/>
-                </a:solidFill>
-                <a:latin typeface="+mn-ea"/>
-                <a:ea typeface="+mn-ea"/>
-                <a:cs typeface="+mn-ea"/>
-                <a:sym typeface="+mn-ea"/>
-              </a:rPr>
               <a:t>结构示意图</a:t>
             </a:r>
-            <a:endParaRPr lang="zh-CN" altLang="en-US" dirty="0">
-              <a:solidFill>
-                <a:srgbClr val="006DB2"/>
-              </a:solidFill>
-              <a:latin typeface="+mn-ea"/>
-              <a:ea typeface="+mn-ea"/>
-              <a:cs typeface="+mn-ea"/>
-              <a:sym typeface="+mn-ea"/>
-            </a:endParaRPr>
           </a:p>
         </p:txBody>
       </p:sp>
@@ -8033,18 +7982,13 @@
           <a:p>
             <a:pPr algn="ctr"/>
             <a:r>
-              <a:rPr lang="zh-CN" altLang="en-US" sz="1600" dirty="0" smtClean="0">
+              <a:rPr lang="zh-CN" altLang="en-US" sz="1600" dirty="0">
                 <a:solidFill>
                   <a:schemeClr val="tx1"/>
                 </a:solidFill>
               </a:rPr>
               <a:t>检测载具工位</a:t>
             </a:r>
-            <a:endParaRPr lang="zh-CN" altLang="en-US" sz="1600" dirty="0">
-              <a:solidFill>
-                <a:schemeClr val="tx1"/>
-              </a:solidFill>
-            </a:endParaRPr>
           </a:p>
         </p:txBody>
       </p:sp>
@@ -8094,7 +8038,7 @@
           <a:p>
             <a:pPr algn="ctr"/>
             <a:r>
-              <a:rPr lang="en-US" altLang="zh-CN" sz="1600" dirty="0" smtClean="0">
+              <a:rPr lang="en-US" altLang="zh-CN" sz="1600" dirty="0">
                 <a:solidFill>
                   <a:schemeClr val="tx1"/>
                 </a:solidFill>
@@ -8102,18 +8046,13 @@
               <a:t>CCD</a:t>
             </a:r>
             <a:r>
-              <a:rPr lang="zh-CN" altLang="en-US" sz="1600" dirty="0" smtClean="0">
+              <a:rPr lang="zh-CN" altLang="en-US" sz="1600" dirty="0">
                 <a:solidFill>
                   <a:schemeClr val="tx1"/>
                 </a:solidFill>
               </a:rPr>
               <a:t>检测模组</a:t>
             </a:r>
-            <a:endParaRPr lang="zh-CN" altLang="en-US" sz="1600" dirty="0">
-              <a:solidFill>
-                <a:schemeClr val="tx1"/>
-              </a:solidFill>
-            </a:endParaRPr>
           </a:p>
         </p:txBody>
       </p:sp>
@@ -8163,18 +8102,13 @@
           <a:p>
             <a:pPr algn="ctr"/>
             <a:r>
-              <a:rPr lang="zh-CN" altLang="en-US" sz="1600" dirty="0" smtClean="0">
+              <a:rPr lang="zh-CN" altLang="en-US" sz="1600" dirty="0">
                 <a:solidFill>
                   <a:schemeClr val="tx1"/>
                 </a:solidFill>
               </a:rPr>
               <a:t>上料搬运模组</a:t>
             </a:r>
-            <a:endParaRPr lang="zh-CN" altLang="en-US" sz="1600" dirty="0">
-              <a:solidFill>
-                <a:schemeClr val="tx1"/>
-              </a:solidFill>
-            </a:endParaRPr>
           </a:p>
         </p:txBody>
       </p:sp>
@@ -8224,26 +8158,13 @@
           <a:p>
             <a:pPr algn="ctr"/>
             <a:r>
-              <a:rPr lang="zh-CN" altLang="en-US" sz="1600" dirty="0" smtClean="0">
+              <a:rPr lang="zh-CN" altLang="en-US" sz="1600" dirty="0">
                 <a:solidFill>
                   <a:schemeClr val="tx1"/>
                 </a:solidFill>
               </a:rPr>
-              <a:t>上料模</a:t>
-            </a:r>
-            <a:r>
-              <a:rPr lang="zh-CN" altLang="en-US" sz="1600" dirty="0" smtClean="0">
-                <a:solidFill>
-                  <a:schemeClr val="tx1"/>
-                </a:solidFill>
-              </a:rPr>
-              <a:t>组</a:t>
-            </a:r>
-            <a:endParaRPr lang="zh-CN" altLang="en-US" sz="1600" dirty="0">
-              <a:solidFill>
-                <a:schemeClr val="tx1"/>
-              </a:solidFill>
-            </a:endParaRPr>
+              <a:t>上料模组</a:t>
+            </a:r>
           </a:p>
         </p:txBody>
       </p:sp>
@@ -8293,18 +8214,13 @@
           <a:p>
             <a:pPr algn="ctr"/>
             <a:r>
-              <a:rPr lang="zh-CN" altLang="en-US" sz="1600" dirty="0" smtClean="0">
+              <a:rPr lang="zh-CN" altLang="en-US" sz="1600" dirty="0">
                 <a:solidFill>
                   <a:schemeClr val="tx1"/>
                 </a:solidFill>
               </a:rPr>
               <a:t>龙门搬运模组</a:t>
             </a:r>
-            <a:endParaRPr lang="zh-CN" altLang="en-US" sz="1600" dirty="0">
-              <a:solidFill>
-                <a:schemeClr val="tx1"/>
-              </a:solidFill>
-            </a:endParaRPr>
           </a:p>
         </p:txBody>
       </p:sp>
@@ -8403,70 +8319,1740 @@
           <a:chExt cx="0" cy="0"/>
         </a:xfrm>
       </p:grpSpPr>
-      <p:pic>
-        <p:nvPicPr>
-          <p:cNvPr id="1026" name="Picture 2"/>
-          <p:cNvPicPr>
-            <a:picLocks noChangeAspect="1" noChangeArrowheads="1"/>
-          </p:cNvPicPr>
-          <p:nvPr/>
-        </p:nvPicPr>
-        <p:blipFill>
-          <a:blip r:embed="rId3">
+      <p:grpSp>
+        <p:nvGrpSpPr>
+          <p:cNvPr id="5" name="组合 4">
             <a:extLst>
-              <a:ext uri="{28A0092B-C50C-407E-A947-70E740481C1C}">
-                <a14:useLocalDpi xmlns:a14="http://schemas.microsoft.com/office/drawing/2010/main" val="0"/>
+              <a:ext uri="{FF2B5EF4-FFF2-40B4-BE49-F238E27FC236}">
+                <a16:creationId xmlns:a16="http://schemas.microsoft.com/office/drawing/2014/main" id="{284DAF8F-2DA4-4280-8251-20FA872D7B75}"/>
               </a:ext>
             </a:extLst>
-          </a:blip>
-          <a:srcRect/>
-          <a:stretch>
-            <a:fillRect/>
-          </a:stretch>
-        </p:blipFill>
-        <p:spPr bwMode="auto">
+          </p:cNvPr>
+          <p:cNvGrpSpPr/>
+          <p:nvPr/>
+        </p:nvGrpSpPr>
+        <p:grpSpPr>
           <a:xfrm>
-            <a:off x="2492114" y="438919"/>
-            <a:ext cx="6210984" cy="4514066"/>
+            <a:off x="338328" y="438919"/>
+            <a:ext cx="11685237" cy="6272776"/>
+            <a:chOff x="338328" y="438919"/>
+            <a:chExt cx="11685237" cy="6272776"/>
           </a:xfrm>
-          <a:prstGeom prst="rect">
-            <a:avLst/>
-          </a:prstGeom>
-          <a:noFill/>
-          <a:ln>
+        </p:grpSpPr>
+        <p:pic>
+          <p:nvPicPr>
+            <p:cNvPr id="1026" name="Picture 2"/>
+            <p:cNvPicPr>
+              <a:picLocks noChangeAspect="1" noChangeArrowheads="1"/>
+            </p:cNvPicPr>
+            <p:nvPr/>
+          </p:nvPicPr>
+          <p:blipFill>
+            <a:blip r:embed="rId3">
+              <a:extLst>
+                <a:ext uri="{28A0092B-C50C-407E-A947-70E740481C1C}">
+                  <a14:useLocalDpi xmlns:a14="http://schemas.microsoft.com/office/drawing/2010/main" val="0"/>
+                </a:ext>
+              </a:extLst>
+            </a:blip>
+            <a:srcRect/>
+            <a:stretch>
+              <a:fillRect/>
+            </a:stretch>
+          </p:blipFill>
+          <p:spPr bwMode="auto">
+            <a:xfrm>
+              <a:off x="2492114" y="438919"/>
+              <a:ext cx="6210984" cy="4514066"/>
+            </a:xfrm>
+            <a:prstGeom prst="rect">
+              <a:avLst/>
+            </a:prstGeom>
             <a:noFill/>
-          </a:ln>
-          <a:effectLst/>
-          <a:extLst>
-            <a:ext uri="{909E8E84-426E-40DD-AFC4-6F175D3DCCD1}">
-              <a14:hiddenFill xmlns:a14="http://schemas.microsoft.com/office/drawing/2010/main">
-                <a:solidFill>
-                  <a:schemeClr val="accent1"/>
-                </a:solidFill>
-              </a14:hiddenFill>
-            </a:ext>
-            <a:ext uri="{91240B29-F687-4F45-9708-019B960494DF}">
-              <a14:hiddenLine xmlns:a14="http://schemas.microsoft.com/office/drawing/2010/main" w="9525">
+            <a:ln>
+              <a:noFill/>
+            </a:ln>
+            <a:effectLst/>
+            <a:extLst>
+              <a:ext uri="{909E8E84-426E-40DD-AFC4-6F175D3DCCD1}">
+                <a14:hiddenFill xmlns:a14="http://schemas.microsoft.com/office/drawing/2010/main">
+                  <a:solidFill>
+                    <a:schemeClr val="accent1"/>
+                  </a:solidFill>
+                </a14:hiddenFill>
+              </a:ext>
+              <a:ext uri="{91240B29-F687-4F45-9708-019B960494DF}">
+                <a14:hiddenLine xmlns:a14="http://schemas.microsoft.com/office/drawing/2010/main" w="9525">
+                  <a:solidFill>
+                    <a:schemeClr val="tx1"/>
+                  </a:solidFill>
+                  <a:miter lim="800000"/>
+                  <a:headEnd/>
+                  <a:tailEnd/>
+                </a14:hiddenLine>
+              </a:ext>
+              <a:ext uri="{AF507438-7753-43E0-B8FC-AC1667EBCBE1}">
+                <a14:hiddenEffects xmlns:a14="http://schemas.microsoft.com/office/drawing/2010/main">
+                  <a:effectLst>
+                    <a:outerShdw dist="35921" dir="2700000" algn="ctr" rotWithShape="0">
+                      <a:schemeClr val="bg2"/>
+                    </a:outerShdw>
+                  </a:effectLst>
+                </a14:hiddenEffects>
+              </a:ext>
+            </a:extLst>
+          </p:spPr>
+        </p:pic>
+        <p:sp>
+          <p:nvSpPr>
+            <p:cNvPr id="6" name="圆角矩形 5"/>
+            <p:cNvSpPr/>
+            <p:nvPr/>
+          </p:nvSpPr>
+          <p:spPr>
+            <a:xfrm>
+              <a:off x="338328" y="5020056"/>
+              <a:ext cx="1600200" cy="475488"/>
+            </a:xfrm>
+            <a:prstGeom prst="roundRect">
+              <a:avLst/>
+            </a:prstGeom>
+            <a:noFill/>
+            <a:ln w="19050">
+              <a:solidFill>
+                <a:srgbClr val="002060"/>
+              </a:solidFill>
+            </a:ln>
+          </p:spPr>
+          <p:style>
+            <a:lnRef idx="2">
+              <a:schemeClr val="accent1">
+                <a:shade val="50000"/>
+              </a:schemeClr>
+            </a:lnRef>
+            <a:fillRef idx="1">
+              <a:schemeClr val="accent1"/>
+            </a:fillRef>
+            <a:effectRef idx="0">
+              <a:schemeClr val="accent1"/>
+            </a:effectRef>
+            <a:fontRef idx="minor">
+              <a:schemeClr val="lt1"/>
+            </a:fontRef>
+          </p:style>
+          <p:txBody>
+            <a:bodyPr rtlCol="0" anchor="ctr"/>
+            <a:lstStyle/>
+            <a:p>
+              <a:pPr algn="ctr"/>
+              <a:r>
+                <a:rPr lang="zh-CN" altLang="en-US" sz="1600" dirty="0">
+                  <a:solidFill>
+                    <a:schemeClr val="tx1"/>
+                  </a:solidFill>
+                </a:rPr>
+                <a:t>龙门（</a:t>
+              </a:r>
+              <a:r>
+                <a:rPr lang="en-US" altLang="zh-CN" sz="1600" dirty="0">
+                  <a:solidFill>
+                    <a:schemeClr val="tx1"/>
+                  </a:solidFill>
+                </a:rPr>
+                <a:t>P1</a:t>
+              </a:r>
+              <a:r>
+                <a:rPr lang="zh-CN" altLang="en-US" sz="1600" dirty="0">
+                  <a:solidFill>
+                    <a:schemeClr val="tx1"/>
+                  </a:solidFill>
+                </a:rPr>
+                <a:t>）上料到（</a:t>
+              </a:r>
+              <a:r>
+                <a:rPr lang="en-US" altLang="zh-CN" sz="1600" dirty="0">
+                  <a:solidFill>
+                    <a:schemeClr val="tx1"/>
+                  </a:solidFill>
+                </a:rPr>
+                <a:t>P2</a:t>
+              </a:r>
+              <a:r>
+                <a:rPr lang="zh-CN" altLang="en-US" sz="1600" dirty="0">
+                  <a:solidFill>
+                    <a:schemeClr val="tx1"/>
+                  </a:solidFill>
+                </a:rPr>
+                <a:t>）</a:t>
+              </a:r>
+            </a:p>
+          </p:txBody>
+        </p:sp>
+        <p:sp>
+          <p:nvSpPr>
+            <p:cNvPr id="21" name="右箭头 20"/>
+            <p:cNvSpPr/>
+            <p:nvPr/>
+          </p:nvSpPr>
+          <p:spPr>
+            <a:xfrm>
+              <a:off x="1938528" y="5161008"/>
+              <a:ext cx="417640" cy="210312"/>
+            </a:xfrm>
+            <a:prstGeom prst="rightArrow">
+              <a:avLst/>
+            </a:prstGeom>
+          </p:spPr>
+          <p:style>
+            <a:lnRef idx="2">
+              <a:schemeClr val="accent1">
+                <a:shade val="50000"/>
+              </a:schemeClr>
+            </a:lnRef>
+            <a:fillRef idx="1">
+              <a:schemeClr val="accent1"/>
+            </a:fillRef>
+            <a:effectRef idx="0">
+              <a:schemeClr val="accent1"/>
+            </a:effectRef>
+            <a:fontRef idx="minor">
+              <a:schemeClr val="lt1"/>
+            </a:fontRef>
+          </p:style>
+          <p:txBody>
+            <a:bodyPr rtlCol="0" anchor="ctr"/>
+            <a:lstStyle/>
+            <a:p>
+              <a:pPr algn="ctr"/>
+              <a:endParaRPr lang="zh-CN" altLang="en-US"/>
+            </a:p>
+          </p:txBody>
+        </p:sp>
+        <p:sp>
+          <p:nvSpPr>
+            <p:cNvPr id="56" name="矩形 55"/>
+            <p:cNvSpPr/>
+            <p:nvPr/>
+          </p:nvSpPr>
+          <p:spPr>
+            <a:xfrm>
+              <a:off x="5967341" y="3899945"/>
+              <a:ext cx="333756" cy="173736"/>
+            </a:xfrm>
+            <a:prstGeom prst="rect">
+              <a:avLst/>
+            </a:prstGeom>
+          </p:spPr>
+          <p:style>
+            <a:lnRef idx="2">
+              <a:schemeClr val="accent1">
+                <a:shade val="50000"/>
+              </a:schemeClr>
+            </a:lnRef>
+            <a:fillRef idx="1">
+              <a:schemeClr val="accent1"/>
+            </a:fillRef>
+            <a:effectRef idx="0">
+              <a:schemeClr val="accent1"/>
+            </a:effectRef>
+            <a:fontRef idx="minor">
+              <a:schemeClr val="lt1"/>
+            </a:fontRef>
+          </p:style>
+          <p:txBody>
+            <a:bodyPr rtlCol="0" anchor="ctr"/>
+            <a:lstStyle/>
+            <a:p>
+              <a:pPr algn="ctr"/>
+              <a:r>
+                <a:rPr lang="en-US" altLang="zh-CN" sz="1050" dirty="0"/>
+                <a:t>P1</a:t>
+              </a:r>
+              <a:endParaRPr lang="zh-CN" altLang="en-US" sz="1050" dirty="0"/>
+            </a:p>
+          </p:txBody>
+        </p:sp>
+        <p:sp>
+          <p:nvSpPr>
+            <p:cNvPr id="71" name="圆角矩形 70"/>
+            <p:cNvSpPr/>
+            <p:nvPr/>
+          </p:nvSpPr>
+          <p:spPr>
+            <a:xfrm>
+              <a:off x="9999509" y="4958334"/>
+              <a:ext cx="1997420" cy="537210"/>
+            </a:xfrm>
+            <a:prstGeom prst="roundRect">
+              <a:avLst/>
+            </a:prstGeom>
+            <a:noFill/>
+            <a:ln w="19050">
+              <a:solidFill>
+                <a:srgbClr val="002060"/>
+              </a:solidFill>
+            </a:ln>
+          </p:spPr>
+          <p:style>
+            <a:lnRef idx="2">
+              <a:schemeClr val="accent1">
+                <a:shade val="50000"/>
+              </a:schemeClr>
+            </a:lnRef>
+            <a:fillRef idx="1">
+              <a:schemeClr val="accent1"/>
+            </a:fillRef>
+            <a:effectRef idx="0">
+              <a:schemeClr val="accent1"/>
+            </a:effectRef>
+            <a:fontRef idx="minor">
+              <a:schemeClr val="lt1"/>
+            </a:fontRef>
+          </p:style>
+          <p:txBody>
+            <a:bodyPr rtlCol="0" anchor="ctr"/>
+            <a:lstStyle/>
+            <a:p>
+              <a:pPr algn="ctr"/>
+              <a:r>
+                <a:rPr lang="zh-CN" altLang="en-US" sz="1600" dirty="0">
+                  <a:solidFill>
+                    <a:schemeClr val="tx1"/>
+                  </a:solidFill>
+                </a:rPr>
+                <a:t>（</a:t>
+              </a:r>
+              <a:r>
+                <a:rPr lang="en-US" altLang="zh-CN" sz="1600" dirty="0">
+                  <a:solidFill>
+                    <a:schemeClr val="tx1"/>
+                  </a:solidFill>
+                </a:rPr>
+                <a:t>P2</a:t>
+              </a:r>
+              <a:r>
+                <a:rPr lang="zh-CN" altLang="en-US" sz="1600" dirty="0">
+                  <a:solidFill>
+                    <a:schemeClr val="tx1"/>
+                  </a:solidFill>
+                </a:rPr>
+                <a:t>）经过</a:t>
+              </a:r>
+              <a:r>
+                <a:rPr lang="en-US" altLang="zh-CN" sz="1600" dirty="0">
+                  <a:solidFill>
+                    <a:schemeClr val="tx1"/>
+                  </a:solidFill>
+                </a:rPr>
+                <a:t>DD</a:t>
+              </a:r>
+              <a:r>
+                <a:rPr lang="zh-CN" altLang="en-US" sz="1600" dirty="0">
+                  <a:solidFill>
+                    <a:schemeClr val="tx1"/>
+                  </a:solidFill>
+                </a:rPr>
+                <a:t>马达旋转</a:t>
+              </a:r>
+              <a:r>
+                <a:rPr lang="en-US" altLang="zh-CN" sz="1600" dirty="0">
+                  <a:solidFill>
+                    <a:schemeClr val="tx1"/>
+                  </a:solidFill>
+                </a:rPr>
+                <a:t>180°</a:t>
+              </a:r>
+              <a:r>
+                <a:rPr lang="zh-CN" altLang="en-US" sz="1600" dirty="0">
+                  <a:solidFill>
+                    <a:schemeClr val="tx1"/>
+                  </a:solidFill>
+                </a:rPr>
+                <a:t>到（</a:t>
+              </a:r>
+              <a:r>
+                <a:rPr lang="en-US" altLang="zh-CN" sz="1600" dirty="0">
+                  <a:solidFill>
+                    <a:schemeClr val="tx1"/>
+                  </a:solidFill>
+                </a:rPr>
+                <a:t>P3</a:t>
+              </a:r>
+              <a:r>
+                <a:rPr lang="zh-CN" altLang="en-US" sz="1600" dirty="0">
+                  <a:solidFill>
+                    <a:schemeClr val="tx1"/>
+                  </a:solidFill>
+                </a:rPr>
+                <a:t>）</a:t>
+              </a:r>
+            </a:p>
+          </p:txBody>
+        </p:sp>
+        <p:sp>
+          <p:nvSpPr>
+            <p:cNvPr id="72" name="右箭头 71"/>
+            <p:cNvSpPr/>
+            <p:nvPr/>
+          </p:nvSpPr>
+          <p:spPr>
+            <a:xfrm>
+              <a:off x="9558446" y="5124432"/>
+              <a:ext cx="417640" cy="210312"/>
+            </a:xfrm>
+            <a:prstGeom prst="rightArrow">
+              <a:avLst/>
+            </a:prstGeom>
+          </p:spPr>
+          <p:style>
+            <a:lnRef idx="2">
+              <a:schemeClr val="accent1">
+                <a:shade val="50000"/>
+              </a:schemeClr>
+            </a:lnRef>
+            <a:fillRef idx="1">
+              <a:schemeClr val="accent1"/>
+            </a:fillRef>
+            <a:effectRef idx="0">
+              <a:schemeClr val="accent1"/>
+            </a:effectRef>
+            <a:fontRef idx="minor">
+              <a:schemeClr val="lt1"/>
+            </a:fontRef>
+          </p:style>
+          <p:txBody>
+            <a:bodyPr rtlCol="0" anchor="ctr"/>
+            <a:lstStyle/>
+            <a:p>
+              <a:pPr algn="ctr"/>
+              <a:endParaRPr lang="zh-CN" altLang="en-US"/>
+            </a:p>
+          </p:txBody>
+        </p:sp>
+        <p:sp>
+          <p:nvSpPr>
+            <p:cNvPr id="73" name="圆角矩形 72"/>
+            <p:cNvSpPr/>
+            <p:nvPr/>
+          </p:nvSpPr>
+          <p:spPr>
+            <a:xfrm>
+              <a:off x="2347800" y="4952985"/>
+              <a:ext cx="1919266" cy="626357"/>
+            </a:xfrm>
+            <a:prstGeom prst="roundRect">
+              <a:avLst/>
+            </a:prstGeom>
+            <a:noFill/>
+            <a:ln w="19050">
+              <a:solidFill>
+                <a:srgbClr val="002060"/>
+              </a:solidFill>
+            </a:ln>
+          </p:spPr>
+          <p:style>
+            <a:lnRef idx="2">
+              <a:schemeClr val="accent1">
+                <a:shade val="50000"/>
+              </a:schemeClr>
+            </a:lnRef>
+            <a:fillRef idx="1">
+              <a:schemeClr val="accent1"/>
+            </a:fillRef>
+            <a:effectRef idx="0">
+              <a:schemeClr val="accent1"/>
+            </a:effectRef>
+            <a:fontRef idx="minor">
+              <a:schemeClr val="lt1"/>
+            </a:fontRef>
+          </p:style>
+          <p:txBody>
+            <a:bodyPr rtlCol="0" anchor="ctr"/>
+            <a:lstStyle/>
+            <a:p>
+              <a:pPr algn="ctr"/>
+              <a:r>
+                <a:rPr lang="zh-CN" altLang="en-US" sz="1600" dirty="0">
+                  <a:solidFill>
+                    <a:schemeClr val="tx1"/>
+                  </a:solidFill>
+                </a:rPr>
+                <a:t>（</a:t>
+              </a:r>
+              <a:r>
+                <a:rPr lang="en-US" altLang="zh-CN" sz="1600" dirty="0">
+                  <a:solidFill>
+                    <a:schemeClr val="tx1"/>
+                  </a:solidFill>
+                </a:rPr>
+                <a:t>P2</a:t>
+              </a:r>
+              <a:r>
+                <a:rPr lang="zh-CN" altLang="en-US" sz="1600" dirty="0">
+                  <a:solidFill>
+                    <a:schemeClr val="tx1"/>
+                  </a:solidFill>
+                </a:rPr>
+                <a:t>）经</a:t>
+              </a:r>
+              <a:r>
+                <a:rPr lang="en-US" altLang="zh-CN" sz="1600" dirty="0">
+                  <a:solidFill>
+                    <a:schemeClr val="tx1"/>
+                  </a:solidFill>
+                </a:rPr>
+                <a:t>DD</a:t>
+              </a:r>
+              <a:r>
+                <a:rPr lang="zh-CN" altLang="en-US" sz="1600" dirty="0">
+                  <a:solidFill>
+                    <a:schemeClr val="tx1"/>
+                  </a:solidFill>
+                </a:rPr>
+                <a:t>马达旋转</a:t>
+              </a:r>
+              <a:r>
+                <a:rPr lang="en-US" altLang="zh-CN" sz="1600" dirty="0">
+                  <a:solidFill>
+                    <a:schemeClr val="tx1"/>
+                  </a:solidFill>
+                </a:rPr>
+                <a:t>180°</a:t>
+              </a:r>
+              <a:r>
+                <a:rPr lang="zh-CN" altLang="en-US" sz="1600" dirty="0">
+                  <a:solidFill>
+                    <a:schemeClr val="tx1"/>
+                  </a:solidFill>
+                </a:rPr>
+                <a:t>到（</a:t>
+              </a:r>
+              <a:r>
+                <a:rPr lang="en-US" altLang="zh-CN" sz="1600" dirty="0">
+                  <a:solidFill>
+                    <a:schemeClr val="tx1"/>
+                  </a:solidFill>
+                </a:rPr>
+                <a:t>P3</a:t>
+              </a:r>
+              <a:r>
+                <a:rPr lang="zh-CN" altLang="en-US" sz="1600" dirty="0">
+                  <a:solidFill>
+                    <a:schemeClr val="tx1"/>
+                  </a:solidFill>
+                </a:rPr>
+                <a:t>）</a:t>
+              </a:r>
+            </a:p>
+          </p:txBody>
+        </p:sp>
+        <p:sp>
+          <p:nvSpPr>
+            <p:cNvPr id="74" name="右箭头 73"/>
+            <p:cNvSpPr/>
+            <p:nvPr/>
+          </p:nvSpPr>
+          <p:spPr>
+            <a:xfrm>
+              <a:off x="4267066" y="5150166"/>
+              <a:ext cx="417640" cy="210312"/>
+            </a:xfrm>
+            <a:prstGeom prst="rightArrow">
+              <a:avLst/>
+            </a:prstGeom>
+          </p:spPr>
+          <p:style>
+            <a:lnRef idx="2">
+              <a:schemeClr val="accent1">
+                <a:shade val="50000"/>
+              </a:schemeClr>
+            </a:lnRef>
+            <a:fillRef idx="1">
+              <a:schemeClr val="accent1"/>
+            </a:fillRef>
+            <a:effectRef idx="0">
+              <a:schemeClr val="accent1"/>
+            </a:effectRef>
+            <a:fontRef idx="minor">
+              <a:schemeClr val="lt1"/>
+            </a:fontRef>
+          </p:style>
+          <p:txBody>
+            <a:bodyPr rtlCol="0" anchor="ctr"/>
+            <a:lstStyle/>
+            <a:p>
+              <a:pPr algn="ctr"/>
+              <a:endParaRPr lang="zh-CN" altLang="en-US"/>
+            </a:p>
+          </p:txBody>
+        </p:sp>
+        <p:sp>
+          <p:nvSpPr>
+            <p:cNvPr id="76" name="圆角矩形 75"/>
+            <p:cNvSpPr/>
+            <p:nvPr/>
+          </p:nvSpPr>
+          <p:spPr>
+            <a:xfrm>
+              <a:off x="4684706" y="4991844"/>
+              <a:ext cx="2045278" cy="475488"/>
+            </a:xfrm>
+            <a:prstGeom prst="roundRect">
+              <a:avLst/>
+            </a:prstGeom>
+            <a:noFill/>
+            <a:ln w="19050">
+              <a:solidFill>
+                <a:srgbClr val="002060"/>
+              </a:solidFill>
+            </a:ln>
+          </p:spPr>
+          <p:style>
+            <a:lnRef idx="2">
+              <a:schemeClr val="accent1">
+                <a:shade val="50000"/>
+              </a:schemeClr>
+            </a:lnRef>
+            <a:fillRef idx="1">
+              <a:schemeClr val="accent1"/>
+            </a:fillRef>
+            <a:effectRef idx="0">
+              <a:schemeClr val="accent1"/>
+            </a:effectRef>
+            <a:fontRef idx="minor">
+              <a:schemeClr val="lt1"/>
+            </a:fontRef>
+          </p:style>
+          <p:txBody>
+            <a:bodyPr rtlCol="0" anchor="ctr"/>
+            <a:lstStyle/>
+            <a:p>
+              <a:pPr algn="ctr"/>
+              <a:r>
+                <a:rPr lang="en-US" altLang="zh-CN" sz="1600" dirty="0">
+                  <a:solidFill>
+                    <a:schemeClr val="tx1"/>
+                  </a:solidFill>
+                </a:rPr>
+                <a:t>CCD</a:t>
+              </a:r>
+              <a:r>
+                <a:rPr lang="zh-CN" altLang="en-US" sz="1600" dirty="0">
+                  <a:solidFill>
+                    <a:schemeClr val="tx1"/>
+                  </a:solidFill>
+                </a:rPr>
+                <a:t>模组（</a:t>
+              </a:r>
+              <a:r>
+                <a:rPr lang="en-US" altLang="zh-CN" sz="1600" dirty="0">
+                  <a:solidFill>
+                    <a:schemeClr val="tx1"/>
+                  </a:solidFill>
+                </a:rPr>
+                <a:t>P4</a:t>
+              </a:r>
+              <a:r>
+                <a:rPr lang="zh-CN" altLang="en-US" sz="1600" dirty="0">
+                  <a:solidFill>
+                    <a:schemeClr val="tx1"/>
+                  </a:solidFill>
+                </a:rPr>
+                <a:t>）检测手机中框第一面</a:t>
+              </a:r>
+            </a:p>
+          </p:txBody>
+        </p:sp>
+        <p:sp>
+          <p:nvSpPr>
+            <p:cNvPr id="77" name="右箭头 76"/>
+            <p:cNvSpPr/>
+            <p:nvPr/>
+          </p:nvSpPr>
+          <p:spPr>
+            <a:xfrm>
+              <a:off x="6729984" y="5140242"/>
+              <a:ext cx="417640" cy="210312"/>
+            </a:xfrm>
+            <a:prstGeom prst="rightArrow">
+              <a:avLst/>
+            </a:prstGeom>
+          </p:spPr>
+          <p:style>
+            <a:lnRef idx="2">
+              <a:schemeClr val="accent1">
+                <a:shade val="50000"/>
+              </a:schemeClr>
+            </a:lnRef>
+            <a:fillRef idx="1">
+              <a:schemeClr val="accent1"/>
+            </a:fillRef>
+            <a:effectRef idx="0">
+              <a:schemeClr val="accent1"/>
+            </a:effectRef>
+            <a:fontRef idx="minor">
+              <a:schemeClr val="lt1"/>
+            </a:fontRef>
+          </p:style>
+          <p:txBody>
+            <a:bodyPr rtlCol="0" anchor="ctr"/>
+            <a:lstStyle/>
+            <a:p>
+              <a:pPr algn="ctr"/>
+              <a:endParaRPr lang="zh-CN" altLang="en-US"/>
+            </a:p>
+          </p:txBody>
+        </p:sp>
+        <p:sp>
+          <p:nvSpPr>
+            <p:cNvPr id="78" name="圆角矩形 77"/>
+            <p:cNvSpPr/>
+            <p:nvPr/>
+          </p:nvSpPr>
+          <p:spPr>
+            <a:xfrm>
+              <a:off x="6783496" y="6041513"/>
+              <a:ext cx="2527352" cy="475488"/>
+            </a:xfrm>
+            <a:prstGeom prst="roundRect">
+              <a:avLst/>
+            </a:prstGeom>
+            <a:noFill/>
+            <a:ln w="19050">
+              <a:solidFill>
+                <a:srgbClr val="002060"/>
+              </a:solidFill>
+            </a:ln>
+          </p:spPr>
+          <p:style>
+            <a:lnRef idx="2">
+              <a:schemeClr val="accent1">
+                <a:shade val="50000"/>
+              </a:schemeClr>
+            </a:lnRef>
+            <a:fillRef idx="1">
+              <a:schemeClr val="accent1"/>
+            </a:fillRef>
+            <a:effectRef idx="0">
+              <a:schemeClr val="accent1"/>
+            </a:effectRef>
+            <a:fontRef idx="minor">
+              <a:schemeClr val="lt1"/>
+            </a:fontRef>
+          </p:style>
+          <p:txBody>
+            <a:bodyPr rtlCol="0" anchor="ctr"/>
+            <a:lstStyle/>
+            <a:p>
+              <a:pPr algn="ctr"/>
+              <a:r>
+                <a:rPr lang="zh-CN" altLang="en-US" sz="1600" dirty="0">
+                  <a:solidFill>
+                    <a:schemeClr val="tx1"/>
+                  </a:solidFill>
+                </a:rPr>
+                <a:t>检测完成（</a:t>
+              </a:r>
+              <a:r>
+                <a:rPr lang="en-US" altLang="zh-CN" sz="1600" dirty="0">
+                  <a:solidFill>
+                    <a:schemeClr val="tx1"/>
+                  </a:solidFill>
+                </a:rPr>
+                <a:t>P3</a:t>
+              </a:r>
+              <a:r>
+                <a:rPr lang="zh-CN" altLang="en-US" sz="1600" dirty="0">
+                  <a:solidFill>
+                    <a:schemeClr val="tx1"/>
+                  </a:solidFill>
+                </a:rPr>
+                <a:t>）经过</a:t>
+              </a:r>
+              <a:r>
+                <a:rPr lang="en-US" altLang="zh-CN" sz="1600" dirty="0">
+                  <a:solidFill>
+                    <a:schemeClr val="tx1"/>
+                  </a:solidFill>
+                </a:rPr>
+                <a:t>DD</a:t>
+              </a:r>
+              <a:r>
+                <a:rPr lang="zh-CN" altLang="en-US" sz="1600" dirty="0">
+                  <a:solidFill>
+                    <a:schemeClr val="tx1"/>
+                  </a:solidFill>
+                </a:rPr>
+                <a:t>马达旋转</a:t>
+              </a:r>
+              <a:r>
+                <a:rPr lang="en-US" altLang="zh-CN" sz="1600" dirty="0">
+                  <a:solidFill>
+                    <a:schemeClr val="tx1"/>
+                  </a:solidFill>
+                </a:rPr>
+                <a:t>180°</a:t>
+              </a:r>
+              <a:r>
+                <a:rPr lang="zh-CN" altLang="en-US" sz="1600" dirty="0">
+                  <a:solidFill>
+                    <a:schemeClr val="tx1"/>
+                  </a:solidFill>
+                </a:rPr>
+                <a:t>到（</a:t>
+              </a:r>
+              <a:r>
+                <a:rPr lang="en-US" altLang="zh-CN" sz="1600" dirty="0">
+                  <a:solidFill>
+                    <a:schemeClr val="tx1"/>
+                  </a:solidFill>
+                </a:rPr>
+                <a:t>P2</a:t>
+              </a:r>
+              <a:r>
+                <a:rPr lang="zh-CN" altLang="en-US" sz="1600" dirty="0">
+                  <a:solidFill>
+                    <a:schemeClr val="tx1"/>
+                  </a:solidFill>
+                </a:rPr>
+                <a:t>）</a:t>
+              </a:r>
+            </a:p>
+          </p:txBody>
+        </p:sp>
+        <p:sp>
+          <p:nvSpPr>
+            <p:cNvPr id="45" name="下箭头 44"/>
+            <p:cNvSpPr/>
+            <p:nvPr/>
+          </p:nvSpPr>
+          <p:spPr>
+            <a:xfrm>
+              <a:off x="10914383" y="5498555"/>
+              <a:ext cx="167672" cy="375697"/>
+            </a:xfrm>
+            <a:prstGeom prst="downArrow">
+              <a:avLst/>
+            </a:prstGeom>
+          </p:spPr>
+          <p:style>
+            <a:lnRef idx="2">
+              <a:schemeClr val="accent1">
+                <a:shade val="50000"/>
+              </a:schemeClr>
+            </a:lnRef>
+            <a:fillRef idx="1">
+              <a:schemeClr val="accent1"/>
+            </a:fillRef>
+            <a:effectRef idx="0">
+              <a:schemeClr val="accent1"/>
+            </a:effectRef>
+            <a:fontRef idx="minor">
+              <a:schemeClr val="lt1"/>
+            </a:fontRef>
+          </p:style>
+          <p:txBody>
+            <a:bodyPr rtlCol="0" anchor="ctr"/>
+            <a:lstStyle/>
+            <a:p>
+              <a:pPr algn="ctr"/>
+              <a:endParaRPr lang="zh-CN" altLang="en-US"/>
+            </a:p>
+          </p:txBody>
+        </p:sp>
+        <p:sp>
+          <p:nvSpPr>
+            <p:cNvPr id="81" name="圆角矩形 80"/>
+            <p:cNvSpPr/>
+            <p:nvPr/>
+          </p:nvSpPr>
+          <p:spPr>
+            <a:xfrm>
+              <a:off x="4386772" y="6041513"/>
+              <a:ext cx="1957713" cy="475488"/>
+            </a:xfrm>
+            <a:prstGeom prst="roundRect">
+              <a:avLst/>
+            </a:prstGeom>
+            <a:noFill/>
+            <a:ln w="19050">
+              <a:solidFill>
+                <a:srgbClr val="002060"/>
+              </a:solidFill>
+            </a:ln>
+          </p:spPr>
+          <p:style>
+            <a:lnRef idx="2">
+              <a:schemeClr val="accent1">
+                <a:shade val="50000"/>
+              </a:schemeClr>
+            </a:lnRef>
+            <a:fillRef idx="1">
+              <a:schemeClr val="accent1"/>
+            </a:fillRef>
+            <a:effectRef idx="0">
+              <a:schemeClr val="accent1"/>
+            </a:effectRef>
+            <a:fontRef idx="minor">
+              <a:schemeClr val="lt1"/>
+            </a:fontRef>
+          </p:style>
+          <p:txBody>
+            <a:bodyPr rtlCol="0" anchor="ctr"/>
+            <a:lstStyle/>
+            <a:p>
+              <a:pPr algn="ctr"/>
+              <a:r>
+                <a:rPr lang="zh-CN" altLang="en-US" sz="1600" dirty="0">
+                  <a:solidFill>
+                    <a:schemeClr val="tx1"/>
+                  </a:solidFill>
+                </a:rPr>
+                <a:t>龙门将检测完成的物料，下料</a:t>
+              </a:r>
+            </a:p>
+          </p:txBody>
+        </p:sp>
+        <p:sp>
+          <p:nvSpPr>
+            <p:cNvPr id="80" name="右箭头 79"/>
+            <p:cNvSpPr/>
+            <p:nvPr/>
+          </p:nvSpPr>
+          <p:spPr>
+            <a:xfrm rot="10800000">
+              <a:off x="6332657" y="6174101"/>
+              <a:ext cx="456418" cy="210312"/>
+            </a:xfrm>
+            <a:prstGeom prst="rightArrow">
+              <a:avLst/>
+            </a:prstGeom>
+          </p:spPr>
+          <p:style>
+            <a:lnRef idx="2">
+              <a:schemeClr val="accent1">
+                <a:shade val="50000"/>
+              </a:schemeClr>
+            </a:lnRef>
+            <a:fillRef idx="1">
+              <a:schemeClr val="accent1"/>
+            </a:fillRef>
+            <a:effectRef idx="0">
+              <a:schemeClr val="accent1"/>
+            </a:effectRef>
+            <a:fontRef idx="minor">
+              <a:schemeClr val="lt1"/>
+            </a:fontRef>
+          </p:style>
+          <p:txBody>
+            <a:bodyPr rtlCol="0" anchor="ctr"/>
+            <a:lstStyle/>
+            <a:p>
+              <a:pPr algn="ctr"/>
+              <a:endParaRPr lang="zh-CN" altLang="en-US"/>
+            </a:p>
+          </p:txBody>
+        </p:sp>
+        <p:sp>
+          <p:nvSpPr>
+            <p:cNvPr id="46" name="圆角矩形 45"/>
+            <p:cNvSpPr/>
+            <p:nvPr/>
+          </p:nvSpPr>
+          <p:spPr>
+            <a:xfrm>
+              <a:off x="7147624" y="5007654"/>
+              <a:ext cx="2417000" cy="475488"/>
+            </a:xfrm>
+            <a:prstGeom prst="roundRect">
+              <a:avLst/>
+            </a:prstGeom>
+            <a:noFill/>
+            <a:ln w="19050">
+              <a:solidFill>
+                <a:srgbClr val="002060"/>
+              </a:solidFill>
+            </a:ln>
+          </p:spPr>
+          <p:style>
+            <a:lnRef idx="2">
+              <a:schemeClr val="accent1">
+                <a:shade val="50000"/>
+              </a:schemeClr>
+            </a:lnRef>
+            <a:fillRef idx="1">
+              <a:schemeClr val="accent1"/>
+            </a:fillRef>
+            <a:effectRef idx="0">
+              <a:schemeClr val="accent1"/>
+            </a:effectRef>
+            <a:fontRef idx="minor">
+              <a:schemeClr val="lt1"/>
+            </a:fontRef>
+          </p:style>
+          <p:txBody>
+            <a:bodyPr rtlCol="0" anchor="ctr"/>
+            <a:lstStyle/>
+            <a:p>
+              <a:pPr algn="ctr"/>
+              <a:r>
+                <a:rPr lang="zh-CN" altLang="en-US" sz="1600" dirty="0">
+                  <a:solidFill>
+                    <a:schemeClr val="tx1"/>
+                  </a:solidFill>
+                </a:rPr>
+                <a:t>（</a:t>
+              </a:r>
+              <a:r>
+                <a:rPr lang="en-US" altLang="zh-CN" sz="1600" dirty="0">
+                  <a:solidFill>
+                    <a:schemeClr val="tx1"/>
+                  </a:solidFill>
+                </a:rPr>
+                <a:t>P3</a:t>
+              </a:r>
+              <a:r>
+                <a:rPr lang="zh-CN" altLang="en-US" sz="1600" dirty="0">
+                  <a:solidFill>
+                    <a:schemeClr val="tx1"/>
+                  </a:solidFill>
+                </a:rPr>
+                <a:t>）旋转</a:t>
+              </a:r>
+              <a:r>
+                <a:rPr lang="en-US" altLang="zh-CN" sz="1600" dirty="0">
+                  <a:solidFill>
+                    <a:schemeClr val="tx1"/>
+                  </a:solidFill>
+                </a:rPr>
+                <a:t>90°</a:t>
+              </a:r>
+              <a:r>
+                <a:rPr lang="zh-CN" altLang="en-US" sz="1600" dirty="0">
+                  <a:solidFill>
+                    <a:schemeClr val="tx1"/>
+                  </a:solidFill>
+                </a:rPr>
+                <a:t>将料送给（</a:t>
+              </a:r>
+              <a:r>
+                <a:rPr lang="en-US" altLang="zh-CN" sz="1600" dirty="0">
+                  <a:solidFill>
+                    <a:schemeClr val="tx1"/>
+                  </a:solidFill>
+                </a:rPr>
+                <a:t>P2</a:t>
+              </a:r>
+              <a:r>
+                <a:rPr lang="zh-CN" altLang="en-US" sz="1600" dirty="0">
+                  <a:solidFill>
+                    <a:schemeClr val="tx1"/>
+                  </a:solidFill>
+                </a:rPr>
+                <a:t>）同时旋转</a:t>
+              </a:r>
+              <a:r>
+                <a:rPr lang="en-US" altLang="zh-CN" sz="1600" dirty="0">
+                  <a:solidFill>
+                    <a:schemeClr val="tx1"/>
+                  </a:solidFill>
+                </a:rPr>
+                <a:t>90°</a:t>
+              </a:r>
+              <a:endParaRPr lang="zh-CN" altLang="en-US" sz="1600" dirty="0">
                 <a:solidFill>
                   <a:schemeClr val="tx1"/>
                 </a:solidFill>
-                <a:miter lim="800000"/>
-                <a:headEnd/>
-                <a:tailEnd/>
-              </a14:hiddenLine>
-            </a:ext>
-            <a:ext uri="{AF507438-7753-43E0-B8FC-AC1667EBCBE1}">
-              <a14:hiddenEffects xmlns:a14="http://schemas.microsoft.com/office/drawing/2010/main">
-                <a:effectLst>
-                  <a:outerShdw dist="35921" dir="2700000" algn="ctr" rotWithShape="0">
-                    <a:schemeClr val="bg2"/>
-                  </a:outerShdw>
-                </a:effectLst>
-              </a14:hiddenEffects>
-            </a:ext>
-          </a:extLst>
-        </p:spPr>
-      </p:pic>
+              </a:endParaRPr>
+            </a:p>
+          </p:txBody>
+        </p:sp>
+        <p:sp>
+          <p:nvSpPr>
+            <p:cNvPr id="88" name="圆角矩形 87"/>
+            <p:cNvSpPr/>
+            <p:nvPr/>
+          </p:nvSpPr>
+          <p:spPr>
+            <a:xfrm>
+              <a:off x="9767266" y="5846820"/>
+              <a:ext cx="2256299" cy="864875"/>
+            </a:xfrm>
+            <a:prstGeom prst="roundRect">
+              <a:avLst/>
+            </a:prstGeom>
+            <a:noFill/>
+            <a:ln w="19050">
+              <a:solidFill>
+                <a:srgbClr val="002060"/>
+              </a:solidFill>
+            </a:ln>
+          </p:spPr>
+          <p:style>
+            <a:lnRef idx="2">
+              <a:schemeClr val="accent1">
+                <a:shade val="50000"/>
+              </a:schemeClr>
+            </a:lnRef>
+            <a:fillRef idx="1">
+              <a:schemeClr val="accent1"/>
+            </a:fillRef>
+            <a:effectRef idx="0">
+              <a:schemeClr val="accent1"/>
+            </a:effectRef>
+            <a:fontRef idx="minor">
+              <a:schemeClr val="lt1"/>
+            </a:fontRef>
+          </p:style>
+          <p:txBody>
+            <a:bodyPr rtlCol="0" anchor="ctr"/>
+            <a:lstStyle/>
+            <a:p>
+              <a:pPr algn="ctr"/>
+              <a:r>
+                <a:rPr lang="en-US" altLang="zh-CN" sz="1600" dirty="0">
+                  <a:solidFill>
+                    <a:schemeClr val="tx1"/>
+                  </a:solidFill>
+                </a:rPr>
+                <a:t>CCD</a:t>
+              </a:r>
+              <a:r>
+                <a:rPr lang="zh-CN" altLang="en-US" sz="1600" dirty="0">
+                  <a:solidFill>
+                    <a:schemeClr val="tx1"/>
+                  </a:solidFill>
+                </a:rPr>
+                <a:t>模组（</a:t>
+              </a:r>
+              <a:r>
+                <a:rPr lang="en-US" altLang="zh-CN" sz="1600" dirty="0">
+                  <a:solidFill>
+                    <a:schemeClr val="tx1"/>
+                  </a:solidFill>
+                </a:rPr>
+                <a:t>P4</a:t>
+              </a:r>
+              <a:r>
+                <a:rPr lang="zh-CN" altLang="en-US" sz="1600" dirty="0">
+                  <a:solidFill>
+                    <a:schemeClr val="tx1"/>
+                  </a:solidFill>
+                </a:rPr>
+                <a:t>）检测手机中框反面，同时龙门上料到（</a:t>
+              </a:r>
+              <a:r>
+                <a:rPr lang="en-US" altLang="zh-CN" sz="1600" dirty="0">
+                  <a:solidFill>
+                    <a:schemeClr val="tx1"/>
+                  </a:solidFill>
+                </a:rPr>
+                <a:t>P2</a:t>
+              </a:r>
+              <a:r>
+                <a:rPr lang="zh-CN" altLang="en-US" sz="1600" dirty="0">
+                  <a:solidFill>
+                    <a:schemeClr val="tx1"/>
+                  </a:solidFill>
+                </a:rPr>
+                <a:t>）</a:t>
+              </a:r>
+            </a:p>
+          </p:txBody>
+        </p:sp>
+        <p:sp>
+          <p:nvSpPr>
+            <p:cNvPr id="89" name="右箭头 88"/>
+            <p:cNvSpPr/>
+            <p:nvPr/>
+          </p:nvSpPr>
+          <p:spPr>
+            <a:xfrm rot="10800000">
+              <a:off x="9310848" y="6188187"/>
+              <a:ext cx="456418" cy="210312"/>
+            </a:xfrm>
+            <a:prstGeom prst="rightArrow">
+              <a:avLst/>
+            </a:prstGeom>
+          </p:spPr>
+          <p:style>
+            <a:lnRef idx="2">
+              <a:schemeClr val="accent1">
+                <a:shade val="50000"/>
+              </a:schemeClr>
+            </a:lnRef>
+            <a:fillRef idx="1">
+              <a:schemeClr val="accent1"/>
+            </a:fillRef>
+            <a:effectRef idx="0">
+              <a:schemeClr val="accent1"/>
+            </a:effectRef>
+            <a:fontRef idx="minor">
+              <a:schemeClr val="lt1"/>
+            </a:fontRef>
+          </p:style>
+          <p:txBody>
+            <a:bodyPr rtlCol="0" anchor="ctr"/>
+            <a:lstStyle/>
+            <a:p>
+              <a:pPr algn="ctr"/>
+              <a:endParaRPr lang="zh-CN" altLang="en-US"/>
+            </a:p>
+          </p:txBody>
+        </p:sp>
+        <p:sp>
+          <p:nvSpPr>
+            <p:cNvPr id="44" name="矩形 43"/>
+            <p:cNvSpPr/>
+            <p:nvPr/>
+          </p:nvSpPr>
+          <p:spPr>
+            <a:xfrm>
+              <a:off x="6227110" y="2872080"/>
+              <a:ext cx="333756" cy="173736"/>
+            </a:xfrm>
+            <a:prstGeom prst="rect">
+              <a:avLst/>
+            </a:prstGeom>
+          </p:spPr>
+          <p:style>
+            <a:lnRef idx="2">
+              <a:schemeClr val="accent1">
+                <a:shade val="50000"/>
+              </a:schemeClr>
+            </a:lnRef>
+            <a:fillRef idx="1">
+              <a:schemeClr val="accent1"/>
+            </a:fillRef>
+            <a:effectRef idx="0">
+              <a:schemeClr val="accent1"/>
+            </a:effectRef>
+            <a:fontRef idx="minor">
+              <a:schemeClr val="lt1"/>
+            </a:fontRef>
+          </p:style>
+          <p:txBody>
+            <a:bodyPr rtlCol="0" anchor="ctr"/>
+            <a:lstStyle/>
+            <a:p>
+              <a:pPr algn="ctr"/>
+              <a:r>
+                <a:rPr lang="en-US" altLang="zh-CN" sz="1050" dirty="0"/>
+                <a:t>P2</a:t>
+              </a:r>
+              <a:endParaRPr lang="zh-CN" altLang="en-US" sz="1050" dirty="0"/>
+            </a:p>
+          </p:txBody>
+        </p:sp>
+        <p:sp>
+          <p:nvSpPr>
+            <p:cNvPr id="47" name="矩形 46"/>
+            <p:cNvSpPr/>
+            <p:nvPr/>
+          </p:nvSpPr>
+          <p:spPr>
+            <a:xfrm>
+              <a:off x="6307556" y="2032282"/>
+              <a:ext cx="333756" cy="173736"/>
+            </a:xfrm>
+            <a:prstGeom prst="rect">
+              <a:avLst/>
+            </a:prstGeom>
+          </p:spPr>
+          <p:style>
+            <a:lnRef idx="2">
+              <a:schemeClr val="accent1">
+                <a:shade val="50000"/>
+              </a:schemeClr>
+            </a:lnRef>
+            <a:fillRef idx="1">
+              <a:schemeClr val="accent1"/>
+            </a:fillRef>
+            <a:effectRef idx="0">
+              <a:schemeClr val="accent1"/>
+            </a:effectRef>
+            <a:fontRef idx="minor">
+              <a:schemeClr val="lt1"/>
+            </a:fontRef>
+          </p:style>
+          <p:txBody>
+            <a:bodyPr rtlCol="0" anchor="ctr"/>
+            <a:lstStyle/>
+            <a:p>
+              <a:pPr algn="ctr"/>
+              <a:r>
+                <a:rPr lang="en-US" altLang="zh-CN" sz="1050" dirty="0"/>
+                <a:t>P3</a:t>
+              </a:r>
+              <a:endParaRPr lang="zh-CN" altLang="en-US" sz="1050" dirty="0"/>
+            </a:p>
+          </p:txBody>
+        </p:sp>
+        <p:sp>
+          <p:nvSpPr>
+            <p:cNvPr id="48" name="矩形 47"/>
+            <p:cNvSpPr/>
+            <p:nvPr/>
+          </p:nvSpPr>
+          <p:spPr>
+            <a:xfrm>
+              <a:off x="5365628" y="1234764"/>
+              <a:ext cx="333756" cy="173736"/>
+            </a:xfrm>
+            <a:prstGeom prst="rect">
+              <a:avLst/>
+            </a:prstGeom>
+          </p:spPr>
+          <p:style>
+            <a:lnRef idx="2">
+              <a:schemeClr val="accent1">
+                <a:shade val="50000"/>
+              </a:schemeClr>
+            </a:lnRef>
+            <a:fillRef idx="1">
+              <a:schemeClr val="accent1"/>
+            </a:fillRef>
+            <a:effectRef idx="0">
+              <a:schemeClr val="accent1"/>
+            </a:effectRef>
+            <a:fontRef idx="minor">
+              <a:schemeClr val="lt1"/>
+            </a:fontRef>
+          </p:style>
+          <p:txBody>
+            <a:bodyPr rtlCol="0" anchor="ctr"/>
+            <a:lstStyle/>
+            <a:p>
+              <a:pPr algn="ctr"/>
+              <a:r>
+                <a:rPr lang="en-US" altLang="zh-CN" sz="1050" dirty="0"/>
+                <a:t>P4</a:t>
+              </a:r>
+              <a:endParaRPr lang="zh-CN" altLang="en-US" sz="1050" dirty="0"/>
+            </a:p>
+          </p:txBody>
+        </p:sp>
+        <p:sp>
+          <p:nvSpPr>
+            <p:cNvPr id="24" name="线形标注 2 23"/>
+            <p:cNvSpPr/>
+            <p:nvPr/>
+          </p:nvSpPr>
+          <p:spPr>
+            <a:xfrm>
+              <a:off x="1501591" y="1721925"/>
+              <a:ext cx="1452053" cy="347472"/>
+            </a:xfrm>
+            <a:prstGeom prst="borderCallout2">
+              <a:avLst>
+                <a:gd name="adj1" fmla="val 52371"/>
+                <a:gd name="adj2" fmla="val 100625"/>
+                <a:gd name="adj3" fmla="val 52372"/>
+                <a:gd name="adj4" fmla="val 123059"/>
+                <a:gd name="adj5" fmla="val 164189"/>
+                <a:gd name="adj6" fmla="val 194580"/>
+              </a:avLst>
+            </a:prstGeom>
+            <a:noFill/>
+            <a:ln w="19050"/>
+          </p:spPr>
+          <p:style>
+            <a:lnRef idx="2">
+              <a:schemeClr val="accent1">
+                <a:shade val="50000"/>
+              </a:schemeClr>
+            </a:lnRef>
+            <a:fillRef idx="1">
+              <a:schemeClr val="accent1"/>
+            </a:fillRef>
+            <a:effectRef idx="0">
+              <a:schemeClr val="accent1"/>
+            </a:effectRef>
+            <a:fontRef idx="minor">
+              <a:schemeClr val="lt1"/>
+            </a:fontRef>
+          </p:style>
+          <p:txBody>
+            <a:bodyPr rtlCol="0" anchor="ctr"/>
+            <a:lstStyle/>
+            <a:p>
+              <a:pPr algn="ctr"/>
+              <a:r>
+                <a:rPr lang="zh-CN" altLang="en-US" sz="1600" dirty="0">
+                  <a:solidFill>
+                    <a:schemeClr val="tx1"/>
+                  </a:solidFill>
+                </a:rPr>
+                <a:t>上料搬运模组</a:t>
+              </a:r>
+            </a:p>
+          </p:txBody>
+        </p:sp>
+        <p:sp>
+          <p:nvSpPr>
+            <p:cNvPr id="25" name="线形标注 2 24"/>
+            <p:cNvSpPr/>
+            <p:nvPr/>
+          </p:nvSpPr>
+          <p:spPr>
+            <a:xfrm>
+              <a:off x="1501591" y="2884078"/>
+              <a:ext cx="1452053" cy="347472"/>
+            </a:xfrm>
+            <a:prstGeom prst="borderCallout2">
+              <a:avLst>
+                <a:gd name="adj1" fmla="val 52371"/>
+                <a:gd name="adj2" fmla="val 100625"/>
+                <a:gd name="adj3" fmla="val 52372"/>
+                <a:gd name="adj4" fmla="val 123059"/>
+                <a:gd name="adj5" fmla="val 137873"/>
+                <a:gd name="adj6" fmla="val 225437"/>
+              </a:avLst>
+            </a:prstGeom>
+            <a:noFill/>
+            <a:ln w="19050"/>
+          </p:spPr>
+          <p:style>
+            <a:lnRef idx="2">
+              <a:schemeClr val="accent1">
+                <a:shade val="50000"/>
+              </a:schemeClr>
+            </a:lnRef>
+            <a:fillRef idx="1">
+              <a:schemeClr val="accent1"/>
+            </a:fillRef>
+            <a:effectRef idx="0">
+              <a:schemeClr val="accent1"/>
+            </a:effectRef>
+            <a:fontRef idx="minor">
+              <a:schemeClr val="lt1"/>
+            </a:fontRef>
+          </p:style>
+          <p:txBody>
+            <a:bodyPr rtlCol="0" anchor="ctr"/>
+            <a:lstStyle/>
+            <a:p>
+              <a:pPr algn="ctr"/>
+              <a:r>
+                <a:rPr lang="zh-CN" altLang="en-US" sz="1600" dirty="0">
+                  <a:solidFill>
+                    <a:schemeClr val="tx1"/>
+                  </a:solidFill>
+                </a:rPr>
+                <a:t>上料模组</a:t>
+              </a:r>
+            </a:p>
+          </p:txBody>
+        </p:sp>
+        <p:sp>
+          <p:nvSpPr>
+            <p:cNvPr id="26" name="线形标注 2 25"/>
+            <p:cNvSpPr/>
+            <p:nvPr/>
+          </p:nvSpPr>
+          <p:spPr>
+            <a:xfrm>
+              <a:off x="9212562" y="2402508"/>
+              <a:ext cx="1527048" cy="330144"/>
+            </a:xfrm>
+            <a:prstGeom prst="borderCallout2">
+              <a:avLst>
+                <a:gd name="adj1" fmla="val 47108"/>
+                <a:gd name="adj2" fmla="val -333"/>
+                <a:gd name="adj3" fmla="val 47109"/>
+                <a:gd name="adj4" fmla="val -27667"/>
+                <a:gd name="adj5" fmla="val 25741"/>
+                <a:gd name="adj6" fmla="val -162226"/>
+              </a:avLst>
+            </a:prstGeom>
+            <a:noFill/>
+            <a:ln w="19050"/>
+          </p:spPr>
+          <p:style>
+            <a:lnRef idx="2">
+              <a:schemeClr val="accent1">
+                <a:shade val="50000"/>
+              </a:schemeClr>
+            </a:lnRef>
+            <a:fillRef idx="1">
+              <a:schemeClr val="accent1"/>
+            </a:fillRef>
+            <a:effectRef idx="0">
+              <a:schemeClr val="accent1"/>
+            </a:effectRef>
+            <a:fontRef idx="minor">
+              <a:schemeClr val="lt1"/>
+            </a:fontRef>
+          </p:style>
+          <p:txBody>
+            <a:bodyPr rtlCol="0" anchor="ctr"/>
+            <a:lstStyle/>
+            <a:p>
+              <a:pPr algn="ctr"/>
+              <a:r>
+                <a:rPr lang="zh-CN" altLang="en-US" sz="1600" dirty="0">
+                  <a:solidFill>
+                    <a:schemeClr val="tx1"/>
+                  </a:solidFill>
+                </a:rPr>
+                <a:t>检测载具工位</a:t>
+              </a:r>
+            </a:p>
+          </p:txBody>
+        </p:sp>
+        <p:sp>
+          <p:nvSpPr>
+            <p:cNvPr id="27" name="线形标注 2 26"/>
+            <p:cNvSpPr/>
+            <p:nvPr/>
+          </p:nvSpPr>
+          <p:spPr>
+            <a:xfrm>
+              <a:off x="9235440" y="3825071"/>
+              <a:ext cx="1555630" cy="347472"/>
+            </a:xfrm>
+            <a:prstGeom prst="borderCallout2">
+              <a:avLst>
+                <a:gd name="adj1" fmla="val 47108"/>
+                <a:gd name="adj2" fmla="val -333"/>
+                <a:gd name="adj3" fmla="val 47109"/>
+                <a:gd name="adj4" fmla="val -27667"/>
+                <a:gd name="adj5" fmla="val -4013"/>
+                <a:gd name="adj6" fmla="val -107074"/>
+              </a:avLst>
+            </a:prstGeom>
+            <a:noFill/>
+            <a:ln w="19050"/>
+          </p:spPr>
+          <p:style>
+            <a:lnRef idx="2">
+              <a:schemeClr val="accent1">
+                <a:shade val="50000"/>
+              </a:schemeClr>
+            </a:lnRef>
+            <a:fillRef idx="1">
+              <a:schemeClr val="accent1"/>
+            </a:fillRef>
+            <a:effectRef idx="0">
+              <a:schemeClr val="accent1"/>
+            </a:effectRef>
+            <a:fontRef idx="minor">
+              <a:schemeClr val="lt1"/>
+            </a:fontRef>
+          </p:style>
+          <p:txBody>
+            <a:bodyPr rtlCol="0" anchor="ctr"/>
+            <a:lstStyle/>
+            <a:p>
+              <a:pPr algn="ctr"/>
+              <a:r>
+                <a:rPr lang="zh-CN" altLang="en-US" sz="1600" dirty="0">
+                  <a:solidFill>
+                    <a:schemeClr val="tx1"/>
+                  </a:solidFill>
+                </a:rPr>
+                <a:t>龙门搬运模组</a:t>
+              </a:r>
+            </a:p>
+          </p:txBody>
+        </p:sp>
+        <p:sp>
+          <p:nvSpPr>
+            <p:cNvPr id="28" name="线形标注 2 27"/>
+            <p:cNvSpPr/>
+            <p:nvPr/>
+          </p:nvSpPr>
+          <p:spPr>
+            <a:xfrm>
+              <a:off x="9212562" y="1425924"/>
+              <a:ext cx="1527048" cy="330144"/>
+            </a:xfrm>
+            <a:prstGeom prst="borderCallout2">
+              <a:avLst>
+                <a:gd name="adj1" fmla="val 47108"/>
+                <a:gd name="adj2" fmla="val -333"/>
+                <a:gd name="adj3" fmla="val 47109"/>
+                <a:gd name="adj4" fmla="val -27667"/>
+                <a:gd name="adj5" fmla="val -65659"/>
+                <a:gd name="adj6" fmla="val -141268"/>
+              </a:avLst>
+            </a:prstGeom>
+            <a:noFill/>
+            <a:ln w="19050"/>
+          </p:spPr>
+          <p:style>
+            <a:lnRef idx="2">
+              <a:schemeClr val="accent1">
+                <a:shade val="50000"/>
+              </a:schemeClr>
+            </a:lnRef>
+            <a:fillRef idx="1">
+              <a:schemeClr val="accent1"/>
+            </a:fillRef>
+            <a:effectRef idx="0">
+              <a:schemeClr val="accent1"/>
+            </a:effectRef>
+            <a:fontRef idx="minor">
+              <a:schemeClr val="lt1"/>
+            </a:fontRef>
+          </p:style>
+          <p:txBody>
+            <a:bodyPr rtlCol="0" anchor="ctr"/>
+            <a:lstStyle/>
+            <a:p>
+              <a:pPr algn="ctr"/>
+              <a:r>
+                <a:rPr lang="en-US" altLang="zh-CN" sz="1600" dirty="0">
+                  <a:solidFill>
+                    <a:schemeClr val="tx1"/>
+                  </a:solidFill>
+                </a:rPr>
+                <a:t>CCD</a:t>
+              </a:r>
+              <a:r>
+                <a:rPr lang="zh-CN" altLang="en-US" sz="1600" dirty="0">
+                  <a:solidFill>
+                    <a:schemeClr val="tx1"/>
+                  </a:solidFill>
+                </a:rPr>
+                <a:t>检测模组</a:t>
+              </a:r>
+            </a:p>
+          </p:txBody>
+        </p:sp>
+        <p:sp>
+          <p:nvSpPr>
+            <p:cNvPr id="3" name="左弧形箭头 2"/>
+            <p:cNvSpPr/>
+            <p:nvPr/>
+          </p:nvSpPr>
+          <p:spPr>
+            <a:xfrm>
+              <a:off x="5337837" y="2238675"/>
+              <a:ext cx="795528" cy="526634"/>
+            </a:xfrm>
+            <a:prstGeom prst="curvedRightArrow">
+              <a:avLst/>
+            </a:prstGeom>
+          </p:spPr>
+          <p:style>
+            <a:lnRef idx="2">
+              <a:schemeClr val="accent1">
+                <a:shade val="50000"/>
+              </a:schemeClr>
+            </a:lnRef>
+            <a:fillRef idx="1">
+              <a:schemeClr val="accent1"/>
+            </a:fillRef>
+            <a:effectRef idx="0">
+              <a:schemeClr val="accent1"/>
+            </a:effectRef>
+            <a:fontRef idx="minor">
+              <a:schemeClr val="lt1"/>
+            </a:fontRef>
+          </p:style>
+          <p:txBody>
+            <a:bodyPr rtlCol="0" anchor="ctr"/>
+            <a:lstStyle/>
+            <a:p>
+              <a:pPr algn="ctr"/>
+              <a:endParaRPr lang="zh-CN" altLang="en-US">
+                <a:solidFill>
+                  <a:schemeClr val="tx1"/>
+                </a:solidFill>
+              </a:endParaRPr>
+            </a:p>
+          </p:txBody>
+        </p:sp>
+        <p:sp>
+          <p:nvSpPr>
+            <p:cNvPr id="4" name="上弧形箭头 3"/>
+            <p:cNvSpPr/>
+            <p:nvPr/>
+          </p:nvSpPr>
+          <p:spPr>
+            <a:xfrm>
+              <a:off x="7200900" y="1907984"/>
+              <a:ext cx="228600" cy="298034"/>
+            </a:xfrm>
+            <a:prstGeom prst="curvedDownArrow">
+              <a:avLst/>
+            </a:prstGeom>
+          </p:spPr>
+          <p:style>
+            <a:lnRef idx="2">
+              <a:schemeClr val="accent1">
+                <a:shade val="50000"/>
+              </a:schemeClr>
+            </a:lnRef>
+            <a:fillRef idx="1">
+              <a:schemeClr val="accent1"/>
+            </a:fillRef>
+            <a:effectRef idx="0">
+              <a:schemeClr val="accent1"/>
+            </a:effectRef>
+            <a:fontRef idx="minor">
+              <a:schemeClr val="lt1"/>
+            </a:fontRef>
+          </p:style>
+          <p:txBody>
+            <a:bodyPr rtlCol="0" anchor="ctr"/>
+            <a:lstStyle/>
+            <a:p>
+              <a:pPr algn="ctr"/>
+              <a:endParaRPr lang="zh-CN" altLang="en-US">
+                <a:solidFill>
+                  <a:schemeClr val="tx1"/>
+                </a:solidFill>
+              </a:endParaRPr>
+            </a:p>
+          </p:txBody>
+        </p:sp>
+        <p:sp>
+          <p:nvSpPr>
+            <p:cNvPr id="31" name="上弧形箭头 30"/>
+            <p:cNvSpPr/>
+            <p:nvPr/>
+          </p:nvSpPr>
+          <p:spPr>
+            <a:xfrm rot="10630990">
+              <a:off x="7216576" y="2809932"/>
+              <a:ext cx="228600" cy="298034"/>
+            </a:xfrm>
+            <a:prstGeom prst="curvedDownArrow">
+              <a:avLst/>
+            </a:prstGeom>
+          </p:spPr>
+          <p:style>
+            <a:lnRef idx="2">
+              <a:schemeClr val="accent1">
+                <a:shade val="50000"/>
+              </a:schemeClr>
+            </a:lnRef>
+            <a:fillRef idx="1">
+              <a:schemeClr val="accent1"/>
+            </a:fillRef>
+            <a:effectRef idx="0">
+              <a:schemeClr val="accent1"/>
+            </a:effectRef>
+            <a:fontRef idx="minor">
+              <a:schemeClr val="lt1"/>
+            </a:fontRef>
+          </p:style>
+          <p:txBody>
+            <a:bodyPr rtlCol="0" anchor="ctr"/>
+            <a:lstStyle/>
+            <a:p>
+              <a:pPr algn="ctr"/>
+              <a:endParaRPr lang="zh-CN" altLang="en-US">
+                <a:solidFill>
+                  <a:schemeClr val="tx1"/>
+                </a:solidFill>
+              </a:endParaRPr>
+            </a:p>
+          </p:txBody>
+        </p:sp>
+      </p:grpSp>
       <p:sp>
         <p:nvSpPr>
           <p:cNvPr id="2" name="标题 1"/>
@@ -8494,10 +10080,10 @@
                 <a:cs typeface="+mn-ea"/>
                 <a:sym typeface="+mn-ea"/>
               </a:rPr>
-              <a:t>整机</a:t>
-            </a:r>
-            <a:r>
-              <a:rPr lang="zh-CN" altLang="en-US" dirty="0" smtClean="0">
+              <a:t>整机设计方案</a:t>
+            </a:r>
+            <a:r>
+              <a:rPr lang="en-US" altLang="zh-CN" dirty="0">
                 <a:solidFill>
                   <a:srgbClr val="006DB2"/>
                 </a:solidFill>
@@ -8506,10 +10092,10 @@
                 <a:cs typeface="+mn-ea"/>
                 <a:sym typeface="+mn-ea"/>
               </a:rPr>
-              <a:t>设计方案</a:t>
-            </a:r>
-            <a:r>
-              <a:rPr lang="en-US" altLang="zh-CN" dirty="0" smtClean="0">
+              <a:t>-</a:t>
+            </a:r>
+            <a:r>
+              <a:rPr lang="zh-CN" altLang="en-US" dirty="0">
                 <a:solidFill>
                   <a:srgbClr val="006DB2"/>
                 </a:solidFill>
@@ -8518,1762 +10104,8 @@
                 <a:cs typeface="+mn-ea"/>
                 <a:sym typeface="+mn-ea"/>
               </a:rPr>
-              <a:t>-</a:t>
-            </a:r>
-            <a:r>
-              <a:rPr lang="zh-CN" altLang="en-US" dirty="0" smtClean="0">
-                <a:solidFill>
-                  <a:srgbClr val="006DB2"/>
-                </a:solidFill>
-                <a:latin typeface="+mn-ea"/>
-                <a:ea typeface="+mn-ea"/>
-                <a:cs typeface="+mn-ea"/>
-                <a:sym typeface="+mn-ea"/>
-              </a:rPr>
               <a:t>结构布局</a:t>
             </a:r>
-            <a:endParaRPr lang="zh-CN" altLang="en-US" dirty="0">
-              <a:solidFill>
-                <a:srgbClr val="006DB2"/>
-              </a:solidFill>
-              <a:latin typeface="+mn-ea"/>
-              <a:ea typeface="+mn-ea"/>
-              <a:cs typeface="+mn-ea"/>
-              <a:sym typeface="+mn-ea"/>
-            </a:endParaRPr>
-          </a:p>
-        </p:txBody>
-      </p:sp>
-      <p:sp>
-        <p:nvSpPr>
-          <p:cNvPr id="6" name="圆角矩形 5"/>
-          <p:cNvSpPr/>
-          <p:nvPr/>
-        </p:nvSpPr>
-        <p:spPr>
-          <a:xfrm>
-            <a:off x="338328" y="5020056"/>
-            <a:ext cx="1600200" cy="475488"/>
-          </a:xfrm>
-          <a:prstGeom prst="roundRect">
-            <a:avLst/>
-          </a:prstGeom>
-          <a:noFill/>
-          <a:ln w="19050">
-            <a:solidFill>
-              <a:srgbClr val="002060"/>
-            </a:solidFill>
-          </a:ln>
-        </p:spPr>
-        <p:style>
-          <a:lnRef idx="2">
-            <a:schemeClr val="accent1">
-              <a:shade val="50000"/>
-            </a:schemeClr>
-          </a:lnRef>
-          <a:fillRef idx="1">
-            <a:schemeClr val="accent1"/>
-          </a:fillRef>
-          <a:effectRef idx="0">
-            <a:schemeClr val="accent1"/>
-          </a:effectRef>
-          <a:fontRef idx="minor">
-            <a:schemeClr val="lt1"/>
-          </a:fontRef>
-        </p:style>
-        <p:txBody>
-          <a:bodyPr rtlCol="0" anchor="ctr"/>
-          <a:lstStyle/>
-          <a:p>
-            <a:pPr algn="ctr"/>
-            <a:r>
-              <a:rPr lang="zh-CN" altLang="en-US" sz="1600" dirty="0" smtClean="0">
-                <a:solidFill>
-                  <a:schemeClr val="tx1"/>
-                </a:solidFill>
-              </a:rPr>
-              <a:t>龙门（</a:t>
-            </a:r>
-            <a:r>
-              <a:rPr lang="en-US" altLang="zh-CN" sz="1600" dirty="0" smtClean="0">
-                <a:solidFill>
-                  <a:schemeClr val="tx1"/>
-                </a:solidFill>
-              </a:rPr>
-              <a:t>P1</a:t>
-            </a:r>
-            <a:r>
-              <a:rPr lang="zh-CN" altLang="en-US" sz="1600" dirty="0" smtClean="0">
-                <a:solidFill>
-                  <a:schemeClr val="tx1"/>
-                </a:solidFill>
-              </a:rPr>
-              <a:t>）上料到（</a:t>
-            </a:r>
-            <a:r>
-              <a:rPr lang="en-US" altLang="zh-CN" sz="1600" dirty="0" smtClean="0">
-                <a:solidFill>
-                  <a:schemeClr val="tx1"/>
-                </a:solidFill>
-              </a:rPr>
-              <a:t>P2</a:t>
-            </a:r>
-            <a:r>
-              <a:rPr lang="zh-CN" altLang="en-US" sz="1600" dirty="0" smtClean="0">
-                <a:solidFill>
-                  <a:schemeClr val="tx1"/>
-                </a:solidFill>
-              </a:rPr>
-              <a:t>）</a:t>
-            </a:r>
-            <a:endParaRPr lang="zh-CN" altLang="en-US" sz="1600" dirty="0">
-              <a:solidFill>
-                <a:schemeClr val="tx1"/>
-              </a:solidFill>
-            </a:endParaRPr>
-          </a:p>
-        </p:txBody>
-      </p:sp>
-      <p:sp>
-        <p:nvSpPr>
-          <p:cNvPr id="21" name="右箭头 20"/>
-          <p:cNvSpPr/>
-          <p:nvPr/>
-        </p:nvSpPr>
-        <p:spPr>
-          <a:xfrm>
-            <a:off x="1938528" y="5161008"/>
-            <a:ext cx="417640" cy="210312"/>
-          </a:xfrm>
-          <a:prstGeom prst="rightArrow">
-            <a:avLst/>
-          </a:prstGeom>
-        </p:spPr>
-        <p:style>
-          <a:lnRef idx="2">
-            <a:schemeClr val="accent1">
-              <a:shade val="50000"/>
-            </a:schemeClr>
-          </a:lnRef>
-          <a:fillRef idx="1">
-            <a:schemeClr val="accent1"/>
-          </a:fillRef>
-          <a:effectRef idx="0">
-            <a:schemeClr val="accent1"/>
-          </a:effectRef>
-          <a:fontRef idx="minor">
-            <a:schemeClr val="lt1"/>
-          </a:fontRef>
-        </p:style>
-        <p:txBody>
-          <a:bodyPr rtlCol="0" anchor="ctr"/>
-          <a:lstStyle/>
-          <a:p>
-            <a:pPr algn="ctr"/>
-            <a:endParaRPr lang="zh-CN" altLang="en-US"/>
-          </a:p>
-        </p:txBody>
-      </p:sp>
-      <p:sp>
-        <p:nvSpPr>
-          <p:cNvPr id="56" name="矩形 55"/>
-          <p:cNvSpPr/>
-          <p:nvPr/>
-        </p:nvSpPr>
-        <p:spPr>
-          <a:xfrm>
-            <a:off x="5967341" y="3899945"/>
-            <a:ext cx="333756" cy="173736"/>
-          </a:xfrm>
-          <a:prstGeom prst="rect">
-            <a:avLst/>
-          </a:prstGeom>
-        </p:spPr>
-        <p:style>
-          <a:lnRef idx="2">
-            <a:schemeClr val="accent1">
-              <a:shade val="50000"/>
-            </a:schemeClr>
-          </a:lnRef>
-          <a:fillRef idx="1">
-            <a:schemeClr val="accent1"/>
-          </a:fillRef>
-          <a:effectRef idx="0">
-            <a:schemeClr val="accent1"/>
-          </a:effectRef>
-          <a:fontRef idx="minor">
-            <a:schemeClr val="lt1"/>
-          </a:fontRef>
-        </p:style>
-        <p:txBody>
-          <a:bodyPr rtlCol="0" anchor="ctr"/>
-          <a:lstStyle/>
-          <a:p>
-            <a:pPr algn="ctr"/>
-            <a:r>
-              <a:rPr lang="en-US" altLang="zh-CN" sz="1050" dirty="0" smtClean="0"/>
-              <a:t>P1</a:t>
-            </a:r>
-            <a:endParaRPr lang="zh-CN" altLang="en-US" sz="1050" dirty="0"/>
-          </a:p>
-        </p:txBody>
-      </p:sp>
-      <p:sp>
-        <p:nvSpPr>
-          <p:cNvPr id="71" name="圆角矩形 70"/>
-          <p:cNvSpPr/>
-          <p:nvPr/>
-        </p:nvSpPr>
-        <p:spPr>
-          <a:xfrm>
-            <a:off x="9999509" y="4958334"/>
-            <a:ext cx="1997420" cy="537210"/>
-          </a:xfrm>
-          <a:prstGeom prst="roundRect">
-            <a:avLst/>
-          </a:prstGeom>
-          <a:noFill/>
-          <a:ln w="19050">
-            <a:solidFill>
-              <a:srgbClr val="002060"/>
-            </a:solidFill>
-          </a:ln>
-        </p:spPr>
-        <p:style>
-          <a:lnRef idx="2">
-            <a:schemeClr val="accent1">
-              <a:shade val="50000"/>
-            </a:schemeClr>
-          </a:lnRef>
-          <a:fillRef idx="1">
-            <a:schemeClr val="accent1"/>
-          </a:fillRef>
-          <a:effectRef idx="0">
-            <a:schemeClr val="accent1"/>
-          </a:effectRef>
-          <a:fontRef idx="minor">
-            <a:schemeClr val="lt1"/>
-          </a:fontRef>
-        </p:style>
-        <p:txBody>
-          <a:bodyPr rtlCol="0" anchor="ctr"/>
-          <a:lstStyle/>
-          <a:p>
-            <a:pPr algn="ctr"/>
-            <a:r>
-              <a:rPr lang="zh-CN" altLang="en-US" sz="1600" dirty="0" smtClean="0">
-                <a:solidFill>
-                  <a:schemeClr val="tx1"/>
-                </a:solidFill>
-              </a:rPr>
-              <a:t>（</a:t>
-            </a:r>
-            <a:r>
-              <a:rPr lang="en-US" altLang="zh-CN" sz="1600" dirty="0" smtClean="0">
-                <a:solidFill>
-                  <a:schemeClr val="tx1"/>
-                </a:solidFill>
-              </a:rPr>
-              <a:t>P2</a:t>
-            </a:r>
-            <a:r>
-              <a:rPr lang="zh-CN" altLang="en-US" sz="1600" dirty="0" smtClean="0">
-                <a:solidFill>
-                  <a:schemeClr val="tx1"/>
-                </a:solidFill>
-              </a:rPr>
-              <a:t>）经过</a:t>
-            </a:r>
-            <a:r>
-              <a:rPr lang="en-US" altLang="zh-CN" sz="1600" dirty="0" smtClean="0">
-                <a:solidFill>
-                  <a:schemeClr val="tx1"/>
-                </a:solidFill>
-              </a:rPr>
-              <a:t>DD</a:t>
-            </a:r>
-            <a:r>
-              <a:rPr lang="zh-CN" altLang="en-US" sz="1600" dirty="0" smtClean="0">
-                <a:solidFill>
-                  <a:schemeClr val="tx1"/>
-                </a:solidFill>
-              </a:rPr>
-              <a:t>马达旋转</a:t>
-            </a:r>
-            <a:r>
-              <a:rPr lang="en-US" altLang="zh-CN" sz="1600" dirty="0" smtClean="0">
-                <a:solidFill>
-                  <a:schemeClr val="tx1"/>
-                </a:solidFill>
-              </a:rPr>
-              <a:t>180°</a:t>
-            </a:r>
-            <a:r>
-              <a:rPr lang="zh-CN" altLang="en-US" sz="1600" dirty="0" smtClean="0">
-                <a:solidFill>
-                  <a:schemeClr val="tx1"/>
-                </a:solidFill>
-              </a:rPr>
-              <a:t>到</a:t>
-            </a:r>
-            <a:r>
-              <a:rPr lang="zh-CN" altLang="en-US" sz="1600" dirty="0" smtClean="0">
-                <a:solidFill>
-                  <a:schemeClr val="tx1"/>
-                </a:solidFill>
-              </a:rPr>
-              <a:t>（</a:t>
-            </a:r>
-            <a:r>
-              <a:rPr lang="en-US" altLang="zh-CN" sz="1600" dirty="0" smtClean="0">
-                <a:solidFill>
-                  <a:schemeClr val="tx1"/>
-                </a:solidFill>
-              </a:rPr>
-              <a:t>P3</a:t>
-            </a:r>
-            <a:r>
-              <a:rPr lang="zh-CN" altLang="en-US" sz="1600" dirty="0" smtClean="0">
-                <a:solidFill>
-                  <a:schemeClr val="tx1"/>
-                </a:solidFill>
-              </a:rPr>
-              <a:t>）</a:t>
-            </a:r>
-            <a:endParaRPr lang="zh-CN" altLang="en-US" sz="1600" dirty="0">
-              <a:solidFill>
-                <a:schemeClr val="tx1"/>
-              </a:solidFill>
-            </a:endParaRPr>
-          </a:p>
-        </p:txBody>
-      </p:sp>
-      <p:sp>
-        <p:nvSpPr>
-          <p:cNvPr id="72" name="右箭头 71"/>
-          <p:cNvSpPr/>
-          <p:nvPr/>
-        </p:nvSpPr>
-        <p:spPr>
-          <a:xfrm>
-            <a:off x="9558446" y="5124432"/>
-            <a:ext cx="417640" cy="210312"/>
-          </a:xfrm>
-          <a:prstGeom prst="rightArrow">
-            <a:avLst/>
-          </a:prstGeom>
-        </p:spPr>
-        <p:style>
-          <a:lnRef idx="2">
-            <a:schemeClr val="accent1">
-              <a:shade val="50000"/>
-            </a:schemeClr>
-          </a:lnRef>
-          <a:fillRef idx="1">
-            <a:schemeClr val="accent1"/>
-          </a:fillRef>
-          <a:effectRef idx="0">
-            <a:schemeClr val="accent1"/>
-          </a:effectRef>
-          <a:fontRef idx="minor">
-            <a:schemeClr val="lt1"/>
-          </a:fontRef>
-        </p:style>
-        <p:txBody>
-          <a:bodyPr rtlCol="0" anchor="ctr"/>
-          <a:lstStyle/>
-          <a:p>
-            <a:pPr algn="ctr"/>
-            <a:endParaRPr lang="zh-CN" altLang="en-US"/>
-          </a:p>
-        </p:txBody>
-      </p:sp>
-      <p:sp>
-        <p:nvSpPr>
-          <p:cNvPr id="73" name="圆角矩形 72"/>
-          <p:cNvSpPr/>
-          <p:nvPr/>
-        </p:nvSpPr>
-        <p:spPr>
-          <a:xfrm>
-            <a:off x="2347800" y="4952985"/>
-            <a:ext cx="1919266" cy="626357"/>
-          </a:xfrm>
-          <a:prstGeom prst="roundRect">
-            <a:avLst/>
-          </a:prstGeom>
-          <a:noFill/>
-          <a:ln w="19050">
-            <a:solidFill>
-              <a:srgbClr val="002060"/>
-            </a:solidFill>
-          </a:ln>
-        </p:spPr>
-        <p:style>
-          <a:lnRef idx="2">
-            <a:schemeClr val="accent1">
-              <a:shade val="50000"/>
-            </a:schemeClr>
-          </a:lnRef>
-          <a:fillRef idx="1">
-            <a:schemeClr val="accent1"/>
-          </a:fillRef>
-          <a:effectRef idx="0">
-            <a:schemeClr val="accent1"/>
-          </a:effectRef>
-          <a:fontRef idx="minor">
-            <a:schemeClr val="lt1"/>
-          </a:fontRef>
-        </p:style>
-        <p:txBody>
-          <a:bodyPr rtlCol="0" anchor="ctr"/>
-          <a:lstStyle/>
-          <a:p>
-            <a:pPr algn="ctr"/>
-            <a:r>
-              <a:rPr lang="zh-CN" altLang="en-US" sz="1600" dirty="0" smtClean="0">
-                <a:solidFill>
-                  <a:schemeClr val="tx1"/>
-                </a:solidFill>
-              </a:rPr>
-              <a:t>（</a:t>
-            </a:r>
-            <a:r>
-              <a:rPr lang="en-US" altLang="zh-CN" sz="1600" dirty="0" smtClean="0">
-                <a:solidFill>
-                  <a:schemeClr val="tx1"/>
-                </a:solidFill>
-              </a:rPr>
-              <a:t>P2</a:t>
-            </a:r>
-            <a:r>
-              <a:rPr lang="zh-CN" altLang="en-US" sz="1600" dirty="0" smtClean="0">
-                <a:solidFill>
-                  <a:schemeClr val="tx1"/>
-                </a:solidFill>
-              </a:rPr>
-              <a:t>）经</a:t>
-            </a:r>
-            <a:r>
-              <a:rPr lang="en-US" altLang="zh-CN" sz="1600" dirty="0" smtClean="0">
-                <a:solidFill>
-                  <a:schemeClr val="tx1"/>
-                </a:solidFill>
-              </a:rPr>
-              <a:t>DD</a:t>
-            </a:r>
-            <a:r>
-              <a:rPr lang="zh-CN" altLang="en-US" sz="1600" dirty="0" smtClean="0">
-                <a:solidFill>
-                  <a:schemeClr val="tx1"/>
-                </a:solidFill>
-              </a:rPr>
-              <a:t>马达旋转</a:t>
-            </a:r>
-            <a:r>
-              <a:rPr lang="en-US" altLang="zh-CN" sz="1600" dirty="0" smtClean="0">
-                <a:solidFill>
-                  <a:schemeClr val="tx1"/>
-                </a:solidFill>
-              </a:rPr>
-              <a:t>180°</a:t>
-            </a:r>
-            <a:r>
-              <a:rPr lang="zh-CN" altLang="en-US" sz="1600" dirty="0" smtClean="0">
-                <a:solidFill>
-                  <a:schemeClr val="tx1"/>
-                </a:solidFill>
-              </a:rPr>
-              <a:t>到（</a:t>
-            </a:r>
-            <a:r>
-              <a:rPr lang="en-US" altLang="zh-CN" sz="1600" dirty="0" smtClean="0">
-                <a:solidFill>
-                  <a:schemeClr val="tx1"/>
-                </a:solidFill>
-              </a:rPr>
-              <a:t>P3</a:t>
-            </a:r>
-            <a:r>
-              <a:rPr lang="zh-CN" altLang="en-US" sz="1600" dirty="0" smtClean="0">
-                <a:solidFill>
-                  <a:schemeClr val="tx1"/>
-                </a:solidFill>
-              </a:rPr>
-              <a:t>）</a:t>
-            </a:r>
-            <a:endParaRPr lang="zh-CN" altLang="en-US" sz="1600" dirty="0">
-              <a:solidFill>
-                <a:schemeClr val="tx1"/>
-              </a:solidFill>
-            </a:endParaRPr>
-          </a:p>
-        </p:txBody>
-      </p:sp>
-      <p:sp>
-        <p:nvSpPr>
-          <p:cNvPr id="74" name="右箭头 73"/>
-          <p:cNvSpPr/>
-          <p:nvPr/>
-        </p:nvSpPr>
-        <p:spPr>
-          <a:xfrm>
-            <a:off x="4267066" y="5150166"/>
-            <a:ext cx="417640" cy="210312"/>
-          </a:xfrm>
-          <a:prstGeom prst="rightArrow">
-            <a:avLst/>
-          </a:prstGeom>
-        </p:spPr>
-        <p:style>
-          <a:lnRef idx="2">
-            <a:schemeClr val="accent1">
-              <a:shade val="50000"/>
-            </a:schemeClr>
-          </a:lnRef>
-          <a:fillRef idx="1">
-            <a:schemeClr val="accent1"/>
-          </a:fillRef>
-          <a:effectRef idx="0">
-            <a:schemeClr val="accent1"/>
-          </a:effectRef>
-          <a:fontRef idx="minor">
-            <a:schemeClr val="lt1"/>
-          </a:fontRef>
-        </p:style>
-        <p:txBody>
-          <a:bodyPr rtlCol="0" anchor="ctr"/>
-          <a:lstStyle/>
-          <a:p>
-            <a:pPr algn="ctr"/>
-            <a:endParaRPr lang="zh-CN" altLang="en-US"/>
-          </a:p>
-        </p:txBody>
-      </p:sp>
-      <p:sp>
-        <p:nvSpPr>
-          <p:cNvPr id="76" name="圆角矩形 75"/>
-          <p:cNvSpPr/>
-          <p:nvPr/>
-        </p:nvSpPr>
-        <p:spPr>
-          <a:xfrm>
-            <a:off x="4684706" y="4991844"/>
-            <a:ext cx="2045278" cy="475488"/>
-          </a:xfrm>
-          <a:prstGeom prst="roundRect">
-            <a:avLst/>
-          </a:prstGeom>
-          <a:noFill/>
-          <a:ln w="19050">
-            <a:solidFill>
-              <a:srgbClr val="002060"/>
-            </a:solidFill>
-          </a:ln>
-        </p:spPr>
-        <p:style>
-          <a:lnRef idx="2">
-            <a:schemeClr val="accent1">
-              <a:shade val="50000"/>
-            </a:schemeClr>
-          </a:lnRef>
-          <a:fillRef idx="1">
-            <a:schemeClr val="accent1"/>
-          </a:fillRef>
-          <a:effectRef idx="0">
-            <a:schemeClr val="accent1"/>
-          </a:effectRef>
-          <a:fontRef idx="minor">
-            <a:schemeClr val="lt1"/>
-          </a:fontRef>
-        </p:style>
-        <p:txBody>
-          <a:bodyPr rtlCol="0" anchor="ctr"/>
-          <a:lstStyle/>
-          <a:p>
-            <a:pPr algn="ctr"/>
-            <a:r>
-              <a:rPr lang="en-US" altLang="zh-CN" sz="1600" dirty="0" smtClean="0">
-                <a:solidFill>
-                  <a:schemeClr val="tx1"/>
-                </a:solidFill>
-              </a:rPr>
-              <a:t>CCD</a:t>
-            </a:r>
-            <a:r>
-              <a:rPr lang="zh-CN" altLang="en-US" sz="1600" dirty="0" smtClean="0">
-                <a:solidFill>
-                  <a:schemeClr val="tx1"/>
-                </a:solidFill>
-              </a:rPr>
-              <a:t>模组（</a:t>
-            </a:r>
-            <a:r>
-              <a:rPr lang="en-US" altLang="zh-CN" sz="1600" dirty="0" smtClean="0">
-                <a:solidFill>
-                  <a:schemeClr val="tx1"/>
-                </a:solidFill>
-              </a:rPr>
-              <a:t>P4</a:t>
-            </a:r>
-            <a:r>
-              <a:rPr lang="zh-CN" altLang="en-US" sz="1600" dirty="0" smtClean="0">
-                <a:solidFill>
-                  <a:schemeClr val="tx1"/>
-                </a:solidFill>
-              </a:rPr>
-              <a:t>）检测手机中框第一面</a:t>
-            </a:r>
-            <a:endParaRPr lang="zh-CN" altLang="en-US" sz="1600" dirty="0">
-              <a:solidFill>
-                <a:schemeClr val="tx1"/>
-              </a:solidFill>
-            </a:endParaRPr>
-          </a:p>
-        </p:txBody>
-      </p:sp>
-      <p:sp>
-        <p:nvSpPr>
-          <p:cNvPr id="77" name="右箭头 76"/>
-          <p:cNvSpPr/>
-          <p:nvPr/>
-        </p:nvSpPr>
-        <p:spPr>
-          <a:xfrm>
-            <a:off x="6729984" y="5140242"/>
-            <a:ext cx="417640" cy="210312"/>
-          </a:xfrm>
-          <a:prstGeom prst="rightArrow">
-            <a:avLst/>
-          </a:prstGeom>
-        </p:spPr>
-        <p:style>
-          <a:lnRef idx="2">
-            <a:schemeClr val="accent1">
-              <a:shade val="50000"/>
-            </a:schemeClr>
-          </a:lnRef>
-          <a:fillRef idx="1">
-            <a:schemeClr val="accent1"/>
-          </a:fillRef>
-          <a:effectRef idx="0">
-            <a:schemeClr val="accent1"/>
-          </a:effectRef>
-          <a:fontRef idx="minor">
-            <a:schemeClr val="lt1"/>
-          </a:fontRef>
-        </p:style>
-        <p:txBody>
-          <a:bodyPr rtlCol="0" anchor="ctr"/>
-          <a:lstStyle/>
-          <a:p>
-            <a:pPr algn="ctr"/>
-            <a:endParaRPr lang="zh-CN" altLang="en-US"/>
-          </a:p>
-        </p:txBody>
-      </p:sp>
-      <p:sp>
-        <p:nvSpPr>
-          <p:cNvPr id="78" name="圆角矩形 77"/>
-          <p:cNvSpPr/>
-          <p:nvPr/>
-        </p:nvSpPr>
-        <p:spPr>
-          <a:xfrm>
-            <a:off x="6783496" y="6041513"/>
-            <a:ext cx="2527352" cy="475488"/>
-          </a:xfrm>
-          <a:prstGeom prst="roundRect">
-            <a:avLst/>
-          </a:prstGeom>
-          <a:noFill/>
-          <a:ln w="19050">
-            <a:solidFill>
-              <a:srgbClr val="002060"/>
-            </a:solidFill>
-          </a:ln>
-        </p:spPr>
-        <p:style>
-          <a:lnRef idx="2">
-            <a:schemeClr val="accent1">
-              <a:shade val="50000"/>
-            </a:schemeClr>
-          </a:lnRef>
-          <a:fillRef idx="1">
-            <a:schemeClr val="accent1"/>
-          </a:fillRef>
-          <a:effectRef idx="0">
-            <a:schemeClr val="accent1"/>
-          </a:effectRef>
-          <a:fontRef idx="minor">
-            <a:schemeClr val="lt1"/>
-          </a:fontRef>
-        </p:style>
-        <p:txBody>
-          <a:bodyPr rtlCol="0" anchor="ctr"/>
-          <a:lstStyle/>
-          <a:p>
-            <a:pPr algn="ctr"/>
-            <a:r>
-              <a:rPr lang="zh-CN" altLang="en-US" sz="1600" dirty="0" smtClean="0">
-                <a:solidFill>
-                  <a:schemeClr val="tx1"/>
-                </a:solidFill>
-              </a:rPr>
-              <a:t>检测完成</a:t>
-            </a:r>
-            <a:r>
-              <a:rPr lang="zh-CN" altLang="en-US" sz="1600" dirty="0" smtClean="0">
-                <a:solidFill>
-                  <a:schemeClr val="tx1"/>
-                </a:solidFill>
-              </a:rPr>
-              <a:t>（</a:t>
-            </a:r>
-            <a:r>
-              <a:rPr lang="en-US" altLang="zh-CN" sz="1600" dirty="0" smtClean="0">
-                <a:solidFill>
-                  <a:schemeClr val="tx1"/>
-                </a:solidFill>
-              </a:rPr>
-              <a:t>P3</a:t>
-            </a:r>
-            <a:r>
-              <a:rPr lang="zh-CN" altLang="en-US" sz="1600" dirty="0" smtClean="0">
-                <a:solidFill>
-                  <a:schemeClr val="tx1"/>
-                </a:solidFill>
-              </a:rPr>
-              <a:t>）经过</a:t>
-            </a:r>
-            <a:r>
-              <a:rPr lang="en-US" altLang="zh-CN" sz="1600" dirty="0" smtClean="0">
-                <a:solidFill>
-                  <a:schemeClr val="tx1"/>
-                </a:solidFill>
-              </a:rPr>
-              <a:t>DD</a:t>
-            </a:r>
-            <a:r>
-              <a:rPr lang="zh-CN" altLang="en-US" sz="1600" dirty="0" smtClean="0">
-                <a:solidFill>
-                  <a:schemeClr val="tx1"/>
-                </a:solidFill>
-              </a:rPr>
-              <a:t>马达旋转</a:t>
-            </a:r>
-            <a:r>
-              <a:rPr lang="en-US" altLang="zh-CN" sz="1600" dirty="0" smtClean="0">
-                <a:solidFill>
-                  <a:schemeClr val="tx1"/>
-                </a:solidFill>
-              </a:rPr>
-              <a:t>180°</a:t>
-            </a:r>
-            <a:r>
-              <a:rPr lang="zh-CN" altLang="en-US" sz="1600" dirty="0" smtClean="0">
-                <a:solidFill>
-                  <a:schemeClr val="tx1"/>
-                </a:solidFill>
-              </a:rPr>
-              <a:t>到（</a:t>
-            </a:r>
-            <a:r>
-              <a:rPr lang="en-US" altLang="zh-CN" sz="1600" dirty="0" smtClean="0">
-                <a:solidFill>
-                  <a:schemeClr val="tx1"/>
-                </a:solidFill>
-              </a:rPr>
-              <a:t>P2</a:t>
-            </a:r>
-            <a:r>
-              <a:rPr lang="zh-CN" altLang="en-US" sz="1600" dirty="0" smtClean="0">
-                <a:solidFill>
-                  <a:schemeClr val="tx1"/>
-                </a:solidFill>
-              </a:rPr>
-              <a:t>）</a:t>
-            </a:r>
-            <a:endParaRPr lang="zh-CN" altLang="en-US" sz="1600" dirty="0">
-              <a:solidFill>
-                <a:schemeClr val="tx1"/>
-              </a:solidFill>
-            </a:endParaRPr>
-          </a:p>
-        </p:txBody>
-      </p:sp>
-      <p:sp>
-        <p:nvSpPr>
-          <p:cNvPr id="45" name="下箭头 44"/>
-          <p:cNvSpPr/>
-          <p:nvPr/>
-        </p:nvSpPr>
-        <p:spPr>
-          <a:xfrm>
-            <a:off x="10914383" y="5498555"/>
-            <a:ext cx="167672" cy="375697"/>
-          </a:xfrm>
-          <a:prstGeom prst="downArrow">
-            <a:avLst/>
-          </a:prstGeom>
-        </p:spPr>
-        <p:style>
-          <a:lnRef idx="2">
-            <a:schemeClr val="accent1">
-              <a:shade val="50000"/>
-            </a:schemeClr>
-          </a:lnRef>
-          <a:fillRef idx="1">
-            <a:schemeClr val="accent1"/>
-          </a:fillRef>
-          <a:effectRef idx="0">
-            <a:schemeClr val="accent1"/>
-          </a:effectRef>
-          <a:fontRef idx="minor">
-            <a:schemeClr val="lt1"/>
-          </a:fontRef>
-        </p:style>
-        <p:txBody>
-          <a:bodyPr rtlCol="0" anchor="ctr"/>
-          <a:lstStyle/>
-          <a:p>
-            <a:pPr algn="ctr"/>
-            <a:endParaRPr lang="zh-CN" altLang="en-US"/>
-          </a:p>
-        </p:txBody>
-      </p:sp>
-      <p:sp>
-        <p:nvSpPr>
-          <p:cNvPr id="81" name="圆角矩形 80"/>
-          <p:cNvSpPr/>
-          <p:nvPr/>
-        </p:nvSpPr>
-        <p:spPr>
-          <a:xfrm>
-            <a:off x="4386772" y="6041513"/>
-            <a:ext cx="1957713" cy="475488"/>
-          </a:xfrm>
-          <a:prstGeom prst="roundRect">
-            <a:avLst/>
-          </a:prstGeom>
-          <a:noFill/>
-          <a:ln w="19050">
-            <a:solidFill>
-              <a:srgbClr val="002060"/>
-            </a:solidFill>
-          </a:ln>
-        </p:spPr>
-        <p:style>
-          <a:lnRef idx="2">
-            <a:schemeClr val="accent1">
-              <a:shade val="50000"/>
-            </a:schemeClr>
-          </a:lnRef>
-          <a:fillRef idx="1">
-            <a:schemeClr val="accent1"/>
-          </a:fillRef>
-          <a:effectRef idx="0">
-            <a:schemeClr val="accent1"/>
-          </a:effectRef>
-          <a:fontRef idx="minor">
-            <a:schemeClr val="lt1"/>
-          </a:fontRef>
-        </p:style>
-        <p:txBody>
-          <a:bodyPr rtlCol="0" anchor="ctr"/>
-          <a:lstStyle/>
-          <a:p>
-            <a:pPr algn="ctr"/>
-            <a:r>
-              <a:rPr lang="zh-CN" altLang="en-US" sz="1600" dirty="0" smtClean="0">
-                <a:solidFill>
-                  <a:schemeClr val="tx1"/>
-                </a:solidFill>
-              </a:rPr>
-              <a:t>龙门将检测完成的物料，下料</a:t>
-            </a:r>
-            <a:endParaRPr lang="zh-CN" altLang="en-US" sz="1600" dirty="0">
-              <a:solidFill>
-                <a:schemeClr val="tx1"/>
-              </a:solidFill>
-            </a:endParaRPr>
-          </a:p>
-        </p:txBody>
-      </p:sp>
-      <p:sp>
-        <p:nvSpPr>
-          <p:cNvPr id="80" name="右箭头 79"/>
-          <p:cNvSpPr/>
-          <p:nvPr/>
-        </p:nvSpPr>
-        <p:spPr>
-          <a:xfrm rot="10800000">
-            <a:off x="6332657" y="6174101"/>
-            <a:ext cx="456418" cy="210312"/>
-          </a:xfrm>
-          <a:prstGeom prst="rightArrow">
-            <a:avLst/>
-          </a:prstGeom>
-        </p:spPr>
-        <p:style>
-          <a:lnRef idx="2">
-            <a:schemeClr val="accent1">
-              <a:shade val="50000"/>
-            </a:schemeClr>
-          </a:lnRef>
-          <a:fillRef idx="1">
-            <a:schemeClr val="accent1"/>
-          </a:fillRef>
-          <a:effectRef idx="0">
-            <a:schemeClr val="accent1"/>
-          </a:effectRef>
-          <a:fontRef idx="minor">
-            <a:schemeClr val="lt1"/>
-          </a:fontRef>
-        </p:style>
-        <p:txBody>
-          <a:bodyPr rtlCol="0" anchor="ctr"/>
-          <a:lstStyle/>
-          <a:p>
-            <a:pPr algn="ctr"/>
-            <a:endParaRPr lang="zh-CN" altLang="en-US"/>
-          </a:p>
-        </p:txBody>
-      </p:sp>
-      <p:sp>
-        <p:nvSpPr>
-          <p:cNvPr id="46" name="圆角矩形 45"/>
-          <p:cNvSpPr/>
-          <p:nvPr/>
-        </p:nvSpPr>
-        <p:spPr>
-          <a:xfrm>
-            <a:off x="7147624" y="5007654"/>
-            <a:ext cx="2417000" cy="475488"/>
-          </a:xfrm>
-          <a:prstGeom prst="roundRect">
-            <a:avLst/>
-          </a:prstGeom>
-          <a:noFill/>
-          <a:ln w="19050">
-            <a:solidFill>
-              <a:srgbClr val="002060"/>
-            </a:solidFill>
-          </a:ln>
-        </p:spPr>
-        <p:style>
-          <a:lnRef idx="2">
-            <a:schemeClr val="accent1">
-              <a:shade val="50000"/>
-            </a:schemeClr>
-          </a:lnRef>
-          <a:fillRef idx="1">
-            <a:schemeClr val="accent1"/>
-          </a:fillRef>
-          <a:effectRef idx="0">
-            <a:schemeClr val="accent1"/>
-          </a:effectRef>
-          <a:fontRef idx="minor">
-            <a:schemeClr val="lt1"/>
-          </a:fontRef>
-        </p:style>
-        <p:txBody>
-          <a:bodyPr rtlCol="0" anchor="ctr"/>
-          <a:lstStyle/>
-          <a:p>
-            <a:pPr algn="ctr"/>
-            <a:r>
-              <a:rPr lang="zh-CN" altLang="en-US" sz="1600" dirty="0" smtClean="0">
-                <a:solidFill>
-                  <a:schemeClr val="tx1"/>
-                </a:solidFill>
-              </a:rPr>
-              <a:t>（</a:t>
-            </a:r>
-            <a:r>
-              <a:rPr lang="en-US" altLang="zh-CN" sz="1600" dirty="0" smtClean="0">
-                <a:solidFill>
-                  <a:schemeClr val="tx1"/>
-                </a:solidFill>
-              </a:rPr>
-              <a:t>P3</a:t>
-            </a:r>
-            <a:r>
-              <a:rPr lang="zh-CN" altLang="en-US" sz="1600" dirty="0" smtClean="0">
-                <a:solidFill>
-                  <a:schemeClr val="tx1"/>
-                </a:solidFill>
-              </a:rPr>
-              <a:t>）旋转</a:t>
-            </a:r>
-            <a:r>
-              <a:rPr lang="en-US" altLang="zh-CN" sz="1600" dirty="0" smtClean="0">
-                <a:solidFill>
-                  <a:schemeClr val="tx1"/>
-                </a:solidFill>
-              </a:rPr>
-              <a:t>90°</a:t>
-            </a:r>
-            <a:r>
-              <a:rPr lang="zh-CN" altLang="en-US" sz="1600" dirty="0" smtClean="0">
-                <a:solidFill>
-                  <a:schemeClr val="tx1"/>
-                </a:solidFill>
-              </a:rPr>
-              <a:t>将料送给（</a:t>
-            </a:r>
-            <a:r>
-              <a:rPr lang="en-US" altLang="zh-CN" sz="1600" dirty="0" smtClean="0">
-                <a:solidFill>
-                  <a:schemeClr val="tx1"/>
-                </a:solidFill>
-              </a:rPr>
-              <a:t>P2</a:t>
-            </a:r>
-            <a:r>
-              <a:rPr lang="zh-CN" altLang="en-US" sz="1600" dirty="0" smtClean="0">
-                <a:solidFill>
-                  <a:schemeClr val="tx1"/>
-                </a:solidFill>
-              </a:rPr>
-              <a:t>）同时旋转</a:t>
-            </a:r>
-            <a:r>
-              <a:rPr lang="en-US" altLang="zh-CN" sz="1600" dirty="0" smtClean="0">
-                <a:solidFill>
-                  <a:schemeClr val="tx1"/>
-                </a:solidFill>
-              </a:rPr>
-              <a:t>90°</a:t>
-            </a:r>
-            <a:endParaRPr lang="zh-CN" altLang="en-US" sz="1600" dirty="0">
-              <a:solidFill>
-                <a:schemeClr val="tx1"/>
-              </a:solidFill>
-            </a:endParaRPr>
-          </a:p>
-        </p:txBody>
-      </p:sp>
-      <p:sp>
-        <p:nvSpPr>
-          <p:cNvPr id="88" name="圆角矩形 87"/>
-          <p:cNvSpPr/>
-          <p:nvPr/>
-        </p:nvSpPr>
-        <p:spPr>
-          <a:xfrm>
-            <a:off x="9767266" y="5846820"/>
-            <a:ext cx="2256299" cy="864875"/>
-          </a:xfrm>
-          <a:prstGeom prst="roundRect">
-            <a:avLst/>
-          </a:prstGeom>
-          <a:noFill/>
-          <a:ln w="19050">
-            <a:solidFill>
-              <a:srgbClr val="002060"/>
-            </a:solidFill>
-          </a:ln>
-        </p:spPr>
-        <p:style>
-          <a:lnRef idx="2">
-            <a:schemeClr val="accent1">
-              <a:shade val="50000"/>
-            </a:schemeClr>
-          </a:lnRef>
-          <a:fillRef idx="1">
-            <a:schemeClr val="accent1"/>
-          </a:fillRef>
-          <a:effectRef idx="0">
-            <a:schemeClr val="accent1"/>
-          </a:effectRef>
-          <a:fontRef idx="minor">
-            <a:schemeClr val="lt1"/>
-          </a:fontRef>
-        </p:style>
-        <p:txBody>
-          <a:bodyPr rtlCol="0" anchor="ctr"/>
-          <a:lstStyle/>
-          <a:p>
-            <a:pPr algn="ctr"/>
-            <a:r>
-              <a:rPr lang="en-US" altLang="zh-CN" sz="1600" dirty="0" smtClean="0">
-                <a:solidFill>
-                  <a:schemeClr val="tx1"/>
-                </a:solidFill>
-              </a:rPr>
-              <a:t>CCD</a:t>
-            </a:r>
-            <a:r>
-              <a:rPr lang="zh-CN" altLang="en-US" sz="1600" dirty="0" smtClean="0">
-                <a:solidFill>
-                  <a:schemeClr val="tx1"/>
-                </a:solidFill>
-              </a:rPr>
-              <a:t>模组（</a:t>
-            </a:r>
-            <a:r>
-              <a:rPr lang="en-US" altLang="zh-CN" sz="1600" dirty="0" smtClean="0">
-                <a:solidFill>
-                  <a:schemeClr val="tx1"/>
-                </a:solidFill>
-              </a:rPr>
-              <a:t>P4</a:t>
-            </a:r>
-            <a:r>
-              <a:rPr lang="zh-CN" altLang="en-US" sz="1600" dirty="0" smtClean="0">
-                <a:solidFill>
-                  <a:schemeClr val="tx1"/>
-                </a:solidFill>
-              </a:rPr>
-              <a:t>）检测手机中框反面，同时龙门上料到（</a:t>
-            </a:r>
-            <a:r>
-              <a:rPr lang="en-US" altLang="zh-CN" sz="1600" dirty="0" smtClean="0">
-                <a:solidFill>
-                  <a:schemeClr val="tx1"/>
-                </a:solidFill>
-              </a:rPr>
-              <a:t>P2</a:t>
-            </a:r>
-            <a:r>
-              <a:rPr lang="zh-CN" altLang="en-US" sz="1600" dirty="0" smtClean="0">
-                <a:solidFill>
-                  <a:schemeClr val="tx1"/>
-                </a:solidFill>
-              </a:rPr>
-              <a:t>）</a:t>
-            </a:r>
-            <a:endParaRPr lang="zh-CN" altLang="en-US" sz="1600" dirty="0">
-              <a:solidFill>
-                <a:schemeClr val="tx1"/>
-              </a:solidFill>
-            </a:endParaRPr>
-          </a:p>
-        </p:txBody>
-      </p:sp>
-      <p:sp>
-        <p:nvSpPr>
-          <p:cNvPr id="89" name="右箭头 88"/>
-          <p:cNvSpPr/>
-          <p:nvPr/>
-        </p:nvSpPr>
-        <p:spPr>
-          <a:xfrm rot="10800000">
-            <a:off x="9310848" y="6188187"/>
-            <a:ext cx="456418" cy="210312"/>
-          </a:xfrm>
-          <a:prstGeom prst="rightArrow">
-            <a:avLst/>
-          </a:prstGeom>
-        </p:spPr>
-        <p:style>
-          <a:lnRef idx="2">
-            <a:schemeClr val="accent1">
-              <a:shade val="50000"/>
-            </a:schemeClr>
-          </a:lnRef>
-          <a:fillRef idx="1">
-            <a:schemeClr val="accent1"/>
-          </a:fillRef>
-          <a:effectRef idx="0">
-            <a:schemeClr val="accent1"/>
-          </a:effectRef>
-          <a:fontRef idx="minor">
-            <a:schemeClr val="lt1"/>
-          </a:fontRef>
-        </p:style>
-        <p:txBody>
-          <a:bodyPr rtlCol="0" anchor="ctr"/>
-          <a:lstStyle/>
-          <a:p>
-            <a:pPr algn="ctr"/>
-            <a:endParaRPr lang="zh-CN" altLang="en-US"/>
-          </a:p>
-        </p:txBody>
-      </p:sp>
-      <p:sp>
-        <p:nvSpPr>
-          <p:cNvPr id="44" name="矩形 43"/>
-          <p:cNvSpPr/>
-          <p:nvPr/>
-        </p:nvSpPr>
-        <p:spPr>
-          <a:xfrm>
-            <a:off x="6227110" y="2872080"/>
-            <a:ext cx="333756" cy="173736"/>
-          </a:xfrm>
-          <a:prstGeom prst="rect">
-            <a:avLst/>
-          </a:prstGeom>
-        </p:spPr>
-        <p:style>
-          <a:lnRef idx="2">
-            <a:schemeClr val="accent1">
-              <a:shade val="50000"/>
-            </a:schemeClr>
-          </a:lnRef>
-          <a:fillRef idx="1">
-            <a:schemeClr val="accent1"/>
-          </a:fillRef>
-          <a:effectRef idx="0">
-            <a:schemeClr val="accent1"/>
-          </a:effectRef>
-          <a:fontRef idx="minor">
-            <a:schemeClr val="lt1"/>
-          </a:fontRef>
-        </p:style>
-        <p:txBody>
-          <a:bodyPr rtlCol="0" anchor="ctr"/>
-          <a:lstStyle/>
-          <a:p>
-            <a:pPr algn="ctr"/>
-            <a:r>
-              <a:rPr lang="en-US" altLang="zh-CN" sz="1050" dirty="0" smtClean="0"/>
-              <a:t>P2</a:t>
-            </a:r>
-            <a:endParaRPr lang="zh-CN" altLang="en-US" sz="1050" dirty="0"/>
-          </a:p>
-        </p:txBody>
-      </p:sp>
-      <p:sp>
-        <p:nvSpPr>
-          <p:cNvPr id="47" name="矩形 46"/>
-          <p:cNvSpPr/>
-          <p:nvPr/>
-        </p:nvSpPr>
-        <p:spPr>
-          <a:xfrm>
-            <a:off x="6307556" y="2032282"/>
-            <a:ext cx="333756" cy="173736"/>
-          </a:xfrm>
-          <a:prstGeom prst="rect">
-            <a:avLst/>
-          </a:prstGeom>
-        </p:spPr>
-        <p:style>
-          <a:lnRef idx="2">
-            <a:schemeClr val="accent1">
-              <a:shade val="50000"/>
-            </a:schemeClr>
-          </a:lnRef>
-          <a:fillRef idx="1">
-            <a:schemeClr val="accent1"/>
-          </a:fillRef>
-          <a:effectRef idx="0">
-            <a:schemeClr val="accent1"/>
-          </a:effectRef>
-          <a:fontRef idx="minor">
-            <a:schemeClr val="lt1"/>
-          </a:fontRef>
-        </p:style>
-        <p:txBody>
-          <a:bodyPr rtlCol="0" anchor="ctr"/>
-          <a:lstStyle/>
-          <a:p>
-            <a:pPr algn="ctr"/>
-            <a:r>
-              <a:rPr lang="en-US" altLang="zh-CN" sz="1050" dirty="0" smtClean="0"/>
-              <a:t>P3</a:t>
-            </a:r>
-            <a:endParaRPr lang="zh-CN" altLang="en-US" sz="1050" dirty="0"/>
-          </a:p>
-        </p:txBody>
-      </p:sp>
-      <p:sp>
-        <p:nvSpPr>
-          <p:cNvPr id="48" name="矩形 47"/>
-          <p:cNvSpPr/>
-          <p:nvPr/>
-        </p:nvSpPr>
-        <p:spPr>
-          <a:xfrm>
-            <a:off x="5365628" y="1234764"/>
-            <a:ext cx="333756" cy="173736"/>
-          </a:xfrm>
-          <a:prstGeom prst="rect">
-            <a:avLst/>
-          </a:prstGeom>
-        </p:spPr>
-        <p:style>
-          <a:lnRef idx="2">
-            <a:schemeClr val="accent1">
-              <a:shade val="50000"/>
-            </a:schemeClr>
-          </a:lnRef>
-          <a:fillRef idx="1">
-            <a:schemeClr val="accent1"/>
-          </a:fillRef>
-          <a:effectRef idx="0">
-            <a:schemeClr val="accent1"/>
-          </a:effectRef>
-          <a:fontRef idx="minor">
-            <a:schemeClr val="lt1"/>
-          </a:fontRef>
-        </p:style>
-        <p:txBody>
-          <a:bodyPr rtlCol="0" anchor="ctr"/>
-          <a:lstStyle/>
-          <a:p>
-            <a:pPr algn="ctr"/>
-            <a:r>
-              <a:rPr lang="en-US" altLang="zh-CN" sz="1050" dirty="0" smtClean="0"/>
-              <a:t>P4</a:t>
-            </a:r>
-            <a:endParaRPr lang="zh-CN" altLang="en-US" sz="1050" dirty="0"/>
-          </a:p>
-        </p:txBody>
-      </p:sp>
-      <p:sp>
-        <p:nvSpPr>
-          <p:cNvPr id="24" name="线形标注 2 23"/>
-          <p:cNvSpPr/>
-          <p:nvPr/>
-        </p:nvSpPr>
-        <p:spPr>
-          <a:xfrm>
-            <a:off x="1501591" y="1721925"/>
-            <a:ext cx="1452053" cy="347472"/>
-          </a:xfrm>
-          <a:prstGeom prst="borderCallout2">
-            <a:avLst>
-              <a:gd name="adj1" fmla="val 52371"/>
-              <a:gd name="adj2" fmla="val 100625"/>
-              <a:gd name="adj3" fmla="val 52372"/>
-              <a:gd name="adj4" fmla="val 123059"/>
-              <a:gd name="adj5" fmla="val 164189"/>
-              <a:gd name="adj6" fmla="val 194580"/>
-            </a:avLst>
-          </a:prstGeom>
-          <a:noFill/>
-          <a:ln w="19050"/>
-        </p:spPr>
-        <p:style>
-          <a:lnRef idx="2">
-            <a:schemeClr val="accent1">
-              <a:shade val="50000"/>
-            </a:schemeClr>
-          </a:lnRef>
-          <a:fillRef idx="1">
-            <a:schemeClr val="accent1"/>
-          </a:fillRef>
-          <a:effectRef idx="0">
-            <a:schemeClr val="accent1"/>
-          </a:effectRef>
-          <a:fontRef idx="minor">
-            <a:schemeClr val="lt1"/>
-          </a:fontRef>
-        </p:style>
-        <p:txBody>
-          <a:bodyPr rtlCol="0" anchor="ctr"/>
-          <a:lstStyle/>
-          <a:p>
-            <a:pPr algn="ctr"/>
-            <a:r>
-              <a:rPr lang="zh-CN" altLang="en-US" sz="1600" dirty="0" smtClean="0">
-                <a:solidFill>
-                  <a:schemeClr val="tx1"/>
-                </a:solidFill>
-              </a:rPr>
-              <a:t>上料搬运模组</a:t>
-            </a:r>
-            <a:endParaRPr lang="zh-CN" altLang="en-US" sz="1600" dirty="0">
-              <a:solidFill>
-                <a:schemeClr val="tx1"/>
-              </a:solidFill>
-            </a:endParaRPr>
-          </a:p>
-        </p:txBody>
-      </p:sp>
-      <p:sp>
-        <p:nvSpPr>
-          <p:cNvPr id="25" name="线形标注 2 24"/>
-          <p:cNvSpPr/>
-          <p:nvPr/>
-        </p:nvSpPr>
-        <p:spPr>
-          <a:xfrm>
-            <a:off x="1501591" y="2884078"/>
-            <a:ext cx="1452053" cy="347472"/>
-          </a:xfrm>
-          <a:prstGeom prst="borderCallout2">
-            <a:avLst>
-              <a:gd name="adj1" fmla="val 52371"/>
-              <a:gd name="adj2" fmla="val 100625"/>
-              <a:gd name="adj3" fmla="val 52372"/>
-              <a:gd name="adj4" fmla="val 123059"/>
-              <a:gd name="adj5" fmla="val 137873"/>
-              <a:gd name="adj6" fmla="val 225437"/>
-            </a:avLst>
-          </a:prstGeom>
-          <a:noFill/>
-          <a:ln w="19050"/>
-        </p:spPr>
-        <p:style>
-          <a:lnRef idx="2">
-            <a:schemeClr val="accent1">
-              <a:shade val="50000"/>
-            </a:schemeClr>
-          </a:lnRef>
-          <a:fillRef idx="1">
-            <a:schemeClr val="accent1"/>
-          </a:fillRef>
-          <a:effectRef idx="0">
-            <a:schemeClr val="accent1"/>
-          </a:effectRef>
-          <a:fontRef idx="minor">
-            <a:schemeClr val="lt1"/>
-          </a:fontRef>
-        </p:style>
-        <p:txBody>
-          <a:bodyPr rtlCol="0" anchor="ctr"/>
-          <a:lstStyle/>
-          <a:p>
-            <a:pPr algn="ctr"/>
-            <a:r>
-              <a:rPr lang="zh-CN" altLang="en-US" sz="1600" dirty="0" smtClean="0">
-                <a:solidFill>
-                  <a:schemeClr val="tx1"/>
-                </a:solidFill>
-              </a:rPr>
-              <a:t>上料模</a:t>
-            </a:r>
-            <a:r>
-              <a:rPr lang="zh-CN" altLang="en-US" sz="1600" dirty="0" smtClean="0">
-                <a:solidFill>
-                  <a:schemeClr val="tx1"/>
-                </a:solidFill>
-              </a:rPr>
-              <a:t>组</a:t>
-            </a:r>
-            <a:endParaRPr lang="zh-CN" altLang="en-US" sz="1600" dirty="0">
-              <a:solidFill>
-                <a:schemeClr val="tx1"/>
-              </a:solidFill>
-            </a:endParaRPr>
-          </a:p>
-        </p:txBody>
-      </p:sp>
-      <p:sp>
-        <p:nvSpPr>
-          <p:cNvPr id="26" name="线形标注 2 25"/>
-          <p:cNvSpPr/>
-          <p:nvPr/>
-        </p:nvSpPr>
-        <p:spPr>
-          <a:xfrm>
-            <a:off x="9212562" y="2402508"/>
-            <a:ext cx="1527048" cy="330144"/>
-          </a:xfrm>
-          <a:prstGeom prst="borderCallout2">
-            <a:avLst>
-              <a:gd name="adj1" fmla="val 47108"/>
-              <a:gd name="adj2" fmla="val -333"/>
-              <a:gd name="adj3" fmla="val 47109"/>
-              <a:gd name="adj4" fmla="val -27667"/>
-              <a:gd name="adj5" fmla="val 25741"/>
-              <a:gd name="adj6" fmla="val -162226"/>
-            </a:avLst>
-          </a:prstGeom>
-          <a:noFill/>
-          <a:ln w="19050"/>
-        </p:spPr>
-        <p:style>
-          <a:lnRef idx="2">
-            <a:schemeClr val="accent1">
-              <a:shade val="50000"/>
-            </a:schemeClr>
-          </a:lnRef>
-          <a:fillRef idx="1">
-            <a:schemeClr val="accent1"/>
-          </a:fillRef>
-          <a:effectRef idx="0">
-            <a:schemeClr val="accent1"/>
-          </a:effectRef>
-          <a:fontRef idx="minor">
-            <a:schemeClr val="lt1"/>
-          </a:fontRef>
-        </p:style>
-        <p:txBody>
-          <a:bodyPr rtlCol="0" anchor="ctr"/>
-          <a:lstStyle/>
-          <a:p>
-            <a:pPr algn="ctr"/>
-            <a:r>
-              <a:rPr lang="zh-CN" altLang="en-US" sz="1600" dirty="0" smtClean="0">
-                <a:solidFill>
-                  <a:schemeClr val="tx1"/>
-                </a:solidFill>
-              </a:rPr>
-              <a:t>检测载具工位</a:t>
-            </a:r>
-            <a:endParaRPr lang="zh-CN" altLang="en-US" sz="1600" dirty="0">
-              <a:solidFill>
-                <a:schemeClr val="tx1"/>
-              </a:solidFill>
-            </a:endParaRPr>
-          </a:p>
-        </p:txBody>
-      </p:sp>
-      <p:sp>
-        <p:nvSpPr>
-          <p:cNvPr id="27" name="线形标注 2 26"/>
-          <p:cNvSpPr/>
-          <p:nvPr/>
-        </p:nvSpPr>
-        <p:spPr>
-          <a:xfrm>
-            <a:off x="9235440" y="3825071"/>
-            <a:ext cx="1555630" cy="347472"/>
-          </a:xfrm>
-          <a:prstGeom prst="borderCallout2">
-            <a:avLst>
-              <a:gd name="adj1" fmla="val 47108"/>
-              <a:gd name="adj2" fmla="val -333"/>
-              <a:gd name="adj3" fmla="val 47109"/>
-              <a:gd name="adj4" fmla="val -27667"/>
-              <a:gd name="adj5" fmla="val -4013"/>
-              <a:gd name="adj6" fmla="val -107074"/>
-            </a:avLst>
-          </a:prstGeom>
-          <a:noFill/>
-          <a:ln w="19050"/>
-        </p:spPr>
-        <p:style>
-          <a:lnRef idx="2">
-            <a:schemeClr val="accent1">
-              <a:shade val="50000"/>
-            </a:schemeClr>
-          </a:lnRef>
-          <a:fillRef idx="1">
-            <a:schemeClr val="accent1"/>
-          </a:fillRef>
-          <a:effectRef idx="0">
-            <a:schemeClr val="accent1"/>
-          </a:effectRef>
-          <a:fontRef idx="minor">
-            <a:schemeClr val="lt1"/>
-          </a:fontRef>
-        </p:style>
-        <p:txBody>
-          <a:bodyPr rtlCol="0" anchor="ctr"/>
-          <a:lstStyle/>
-          <a:p>
-            <a:pPr algn="ctr"/>
-            <a:r>
-              <a:rPr lang="zh-CN" altLang="en-US" sz="1600" dirty="0" smtClean="0">
-                <a:solidFill>
-                  <a:schemeClr val="tx1"/>
-                </a:solidFill>
-              </a:rPr>
-              <a:t>龙门搬运模组</a:t>
-            </a:r>
-            <a:endParaRPr lang="zh-CN" altLang="en-US" sz="1600" dirty="0">
-              <a:solidFill>
-                <a:schemeClr val="tx1"/>
-              </a:solidFill>
-            </a:endParaRPr>
-          </a:p>
-        </p:txBody>
-      </p:sp>
-      <p:sp>
-        <p:nvSpPr>
-          <p:cNvPr id="28" name="线形标注 2 27"/>
-          <p:cNvSpPr/>
-          <p:nvPr/>
-        </p:nvSpPr>
-        <p:spPr>
-          <a:xfrm>
-            <a:off x="9212562" y="1425924"/>
-            <a:ext cx="1527048" cy="330144"/>
-          </a:xfrm>
-          <a:prstGeom prst="borderCallout2">
-            <a:avLst>
-              <a:gd name="adj1" fmla="val 47108"/>
-              <a:gd name="adj2" fmla="val -333"/>
-              <a:gd name="adj3" fmla="val 47109"/>
-              <a:gd name="adj4" fmla="val -27667"/>
-              <a:gd name="adj5" fmla="val -65659"/>
-              <a:gd name="adj6" fmla="val -141268"/>
-            </a:avLst>
-          </a:prstGeom>
-          <a:noFill/>
-          <a:ln w="19050"/>
-        </p:spPr>
-        <p:style>
-          <a:lnRef idx="2">
-            <a:schemeClr val="accent1">
-              <a:shade val="50000"/>
-            </a:schemeClr>
-          </a:lnRef>
-          <a:fillRef idx="1">
-            <a:schemeClr val="accent1"/>
-          </a:fillRef>
-          <a:effectRef idx="0">
-            <a:schemeClr val="accent1"/>
-          </a:effectRef>
-          <a:fontRef idx="minor">
-            <a:schemeClr val="lt1"/>
-          </a:fontRef>
-        </p:style>
-        <p:txBody>
-          <a:bodyPr rtlCol="0" anchor="ctr"/>
-          <a:lstStyle/>
-          <a:p>
-            <a:pPr algn="ctr"/>
-            <a:r>
-              <a:rPr lang="en-US" altLang="zh-CN" sz="1600" dirty="0" smtClean="0">
-                <a:solidFill>
-                  <a:schemeClr val="tx1"/>
-                </a:solidFill>
-              </a:rPr>
-              <a:t>CCD</a:t>
-            </a:r>
-            <a:r>
-              <a:rPr lang="zh-CN" altLang="en-US" sz="1600" dirty="0" smtClean="0">
-                <a:solidFill>
-                  <a:schemeClr val="tx1"/>
-                </a:solidFill>
-              </a:rPr>
-              <a:t>检测模组</a:t>
-            </a:r>
-            <a:endParaRPr lang="zh-CN" altLang="en-US" sz="1600" dirty="0">
-              <a:solidFill>
-                <a:schemeClr val="tx1"/>
-              </a:solidFill>
-            </a:endParaRPr>
-          </a:p>
-        </p:txBody>
-      </p:sp>
-      <p:sp>
-        <p:nvSpPr>
-          <p:cNvPr id="3" name="左弧形箭头 2"/>
-          <p:cNvSpPr/>
-          <p:nvPr/>
-        </p:nvSpPr>
-        <p:spPr>
-          <a:xfrm>
-            <a:off x="5337837" y="2238675"/>
-            <a:ext cx="795528" cy="526634"/>
-          </a:xfrm>
-          <a:prstGeom prst="curvedRightArrow">
-            <a:avLst/>
-          </a:prstGeom>
-        </p:spPr>
-        <p:style>
-          <a:lnRef idx="2">
-            <a:schemeClr val="accent1">
-              <a:shade val="50000"/>
-            </a:schemeClr>
-          </a:lnRef>
-          <a:fillRef idx="1">
-            <a:schemeClr val="accent1"/>
-          </a:fillRef>
-          <a:effectRef idx="0">
-            <a:schemeClr val="accent1"/>
-          </a:effectRef>
-          <a:fontRef idx="minor">
-            <a:schemeClr val="lt1"/>
-          </a:fontRef>
-        </p:style>
-        <p:txBody>
-          <a:bodyPr rtlCol="0" anchor="ctr"/>
-          <a:lstStyle/>
-          <a:p>
-            <a:pPr algn="ctr"/>
-            <a:endParaRPr lang="zh-CN" altLang="en-US">
-              <a:solidFill>
-                <a:schemeClr val="tx1"/>
-              </a:solidFill>
-            </a:endParaRPr>
-          </a:p>
-        </p:txBody>
-      </p:sp>
-      <p:sp>
-        <p:nvSpPr>
-          <p:cNvPr id="4" name="上弧形箭头 3"/>
-          <p:cNvSpPr/>
-          <p:nvPr/>
-        </p:nvSpPr>
-        <p:spPr>
-          <a:xfrm>
-            <a:off x="7200900" y="1907984"/>
-            <a:ext cx="228600" cy="298034"/>
-          </a:xfrm>
-          <a:prstGeom prst="curvedDownArrow">
-            <a:avLst/>
-          </a:prstGeom>
-        </p:spPr>
-        <p:style>
-          <a:lnRef idx="2">
-            <a:schemeClr val="accent1">
-              <a:shade val="50000"/>
-            </a:schemeClr>
-          </a:lnRef>
-          <a:fillRef idx="1">
-            <a:schemeClr val="accent1"/>
-          </a:fillRef>
-          <a:effectRef idx="0">
-            <a:schemeClr val="accent1"/>
-          </a:effectRef>
-          <a:fontRef idx="minor">
-            <a:schemeClr val="lt1"/>
-          </a:fontRef>
-        </p:style>
-        <p:txBody>
-          <a:bodyPr rtlCol="0" anchor="ctr"/>
-          <a:lstStyle/>
-          <a:p>
-            <a:pPr algn="ctr"/>
-            <a:endParaRPr lang="zh-CN" altLang="en-US">
-              <a:solidFill>
-                <a:schemeClr val="tx1"/>
-              </a:solidFill>
-            </a:endParaRPr>
-          </a:p>
-        </p:txBody>
-      </p:sp>
-      <p:sp>
-        <p:nvSpPr>
-          <p:cNvPr id="31" name="上弧形箭头 30"/>
-          <p:cNvSpPr/>
-          <p:nvPr/>
-        </p:nvSpPr>
-        <p:spPr>
-          <a:xfrm rot="10630990">
-            <a:off x="7216576" y="2809932"/>
-            <a:ext cx="228600" cy="298034"/>
-          </a:xfrm>
-          <a:prstGeom prst="curvedDownArrow">
-            <a:avLst/>
-          </a:prstGeom>
-        </p:spPr>
-        <p:style>
-          <a:lnRef idx="2">
-            <a:schemeClr val="accent1">
-              <a:shade val="50000"/>
-            </a:schemeClr>
-          </a:lnRef>
-          <a:fillRef idx="1">
-            <a:schemeClr val="accent1"/>
-          </a:fillRef>
-          <a:effectRef idx="0">
-            <a:schemeClr val="accent1"/>
-          </a:effectRef>
-          <a:fontRef idx="minor">
-            <a:schemeClr val="lt1"/>
-          </a:fontRef>
-        </p:style>
-        <p:txBody>
-          <a:bodyPr rtlCol="0" anchor="ctr"/>
-          <a:lstStyle/>
-          <a:p>
-            <a:pPr algn="ctr"/>
-            <a:endParaRPr lang="zh-CN" altLang="en-US">
-              <a:solidFill>
-                <a:schemeClr val="tx1"/>
-              </a:solidFill>
-            </a:endParaRPr>
           </a:p>
         </p:txBody>
       </p:sp>
@@ -10399,10 +10231,10 @@
                 <a:cs typeface="+mn-ea"/>
                 <a:sym typeface="+mn-ea"/>
               </a:rPr>
-              <a:t>整机</a:t>
-            </a:r>
-            <a:r>
-              <a:rPr lang="zh-CN" altLang="en-US" dirty="0" smtClean="0">
+              <a:t>整机设计方案</a:t>
+            </a:r>
+            <a:r>
+              <a:rPr lang="en-US" altLang="zh-CN" dirty="0">
                 <a:solidFill>
                   <a:srgbClr val="006DB2"/>
                 </a:solidFill>
@@ -10411,10 +10243,10 @@
                 <a:cs typeface="+mn-ea"/>
                 <a:sym typeface="+mn-ea"/>
               </a:rPr>
-              <a:t>设计方案</a:t>
-            </a:r>
-            <a:r>
-              <a:rPr lang="en-US" altLang="zh-CN" dirty="0" smtClean="0">
+              <a:t>-</a:t>
+            </a:r>
+            <a:r>
+              <a:rPr lang="zh-CN" altLang="en-US" dirty="0">
                 <a:solidFill>
                   <a:srgbClr val="006DB2"/>
                 </a:solidFill>
@@ -10423,29 +10255,8 @@
                 <a:cs typeface="+mn-ea"/>
                 <a:sym typeface="+mn-ea"/>
               </a:rPr>
-              <a:t>-</a:t>
-            </a:r>
-            <a:r>
-              <a:rPr lang="zh-CN" altLang="en-US" dirty="0" smtClean="0">
-                <a:solidFill>
-                  <a:srgbClr val="006DB2"/>
-                </a:solidFill>
-                <a:latin typeface="+mn-ea"/>
-                <a:ea typeface="+mn-ea"/>
-                <a:cs typeface="+mn-ea"/>
-                <a:sym typeface="+mn-ea"/>
-              </a:rPr>
               <a:t>上料搬运模组</a:t>
             </a:r>
-            <a:endParaRPr lang="zh-CN" altLang="en-US" dirty="0">
-              <a:solidFill>
-                <a:srgbClr val="006DB2"/>
-              </a:solidFill>
-              <a:latin typeface="+mn-ea"/>
-              <a:ea typeface="+mn-ea"/>
-              <a:cs typeface="+mn-ea"/>
-              <a:sym typeface="+mn-ea"/>
-            </a:endParaRPr>
           </a:p>
         </p:txBody>
       </p:sp>
@@ -10511,18 +10322,7 @@
                 <a:cs typeface="+mn-ea"/>
                 <a:sym typeface="+mn-ea"/>
               </a:rPr>
-              <a:t>上</a:t>
-            </a:r>
-            <a:r>
-              <a:rPr lang="zh-CN" altLang="en-US" sz="1600" dirty="0" smtClean="0">
-                <a:solidFill>
-                  <a:srgbClr val="002060"/>
-                </a:solidFill>
-                <a:latin typeface="+mn-ea"/>
-                <a:cs typeface="+mn-ea"/>
-                <a:sym typeface="+mn-ea"/>
-              </a:rPr>
-              <a:t>料模组采用吸盘结构吸取物料及龙门结构搬运</a:t>
+              <a:t>上料模组采用吸盘结构吸取物料及龙门结构搬运</a:t>
             </a:r>
             <a:r>
               <a:rPr lang="en-US" altLang="zh-CN" sz="1600" dirty="0">
@@ -10625,7 +10425,7 @@
           <a:p>
             <a:pPr algn="ctr"/>
             <a:r>
-              <a:rPr lang="en-US" altLang="zh-CN" sz="1600" dirty="0" smtClean="0">
+              <a:rPr lang="en-US" altLang="zh-CN" sz="1600" dirty="0">
                 <a:solidFill>
                   <a:schemeClr val="tx1"/>
                 </a:solidFill>
@@ -10633,18 +10433,13 @@
               <a:t>Z</a:t>
             </a:r>
             <a:r>
-              <a:rPr lang="zh-CN" altLang="en-US" sz="1600" dirty="0" smtClean="0">
+              <a:rPr lang="zh-CN" altLang="en-US" sz="1600" dirty="0">
                 <a:solidFill>
                   <a:schemeClr val="tx1"/>
                 </a:solidFill>
               </a:rPr>
               <a:t>轴取料模组</a:t>
             </a:r>
-            <a:endParaRPr lang="zh-CN" altLang="en-US" sz="1600" dirty="0">
-              <a:solidFill>
-                <a:schemeClr val="tx1"/>
-              </a:solidFill>
-            </a:endParaRPr>
           </a:p>
         </p:txBody>
       </p:sp>
@@ -10694,18 +10489,13 @@
           <a:p>
             <a:pPr algn="ctr"/>
             <a:r>
-              <a:rPr lang="zh-CN" altLang="en-US" sz="1600" dirty="0" smtClean="0">
+              <a:rPr lang="zh-CN" altLang="en-US" sz="1600" dirty="0">
                 <a:solidFill>
                   <a:schemeClr val="tx1"/>
                 </a:solidFill>
               </a:rPr>
               <a:t>吸盘</a:t>
             </a:r>
-            <a:endParaRPr lang="zh-CN" altLang="en-US" sz="1600" dirty="0">
-              <a:solidFill>
-                <a:schemeClr val="tx1"/>
-              </a:solidFill>
-            </a:endParaRPr>
           </a:p>
         </p:txBody>
       </p:sp>
@@ -10755,18 +10545,13 @@
           <a:p>
             <a:pPr algn="ctr"/>
             <a:r>
-              <a:rPr lang="zh-CN" altLang="en-US" sz="1600" dirty="0" smtClean="0">
+              <a:rPr lang="zh-CN" altLang="en-US" sz="1600" dirty="0">
                 <a:solidFill>
                   <a:schemeClr val="tx1"/>
                 </a:solidFill>
               </a:rPr>
               <a:t>龙门搬运模组</a:t>
             </a:r>
-            <a:endParaRPr lang="zh-CN" altLang="en-US" sz="1600" dirty="0">
-              <a:solidFill>
-                <a:schemeClr val="tx1"/>
-              </a:solidFill>
-            </a:endParaRPr>
           </a:p>
         </p:txBody>
       </p:sp>
@@ -10816,7 +10601,7 @@
           <a:p>
             <a:pPr algn="ctr"/>
             <a:r>
-              <a:rPr lang="zh-CN" altLang="en-US" sz="1600" dirty="0" smtClean="0">
+              <a:rPr lang="zh-CN" altLang="en-US" sz="1600" dirty="0">
                 <a:solidFill>
                   <a:schemeClr val="tx1"/>
                 </a:solidFill>
@@ -10824,7 +10609,7 @@
               <a:t>取料搬运</a:t>
             </a:r>
             <a:r>
-              <a:rPr lang="en-US" altLang="zh-CN" sz="1600" dirty="0" smtClean="0">
+              <a:rPr lang="en-US" altLang="zh-CN" sz="1600" dirty="0">
                 <a:solidFill>
                   <a:schemeClr val="tx1"/>
                 </a:solidFill>
@@ -10832,18 +10617,13 @@
               <a:t>Z</a:t>
             </a:r>
             <a:r>
-              <a:rPr lang="zh-CN" altLang="en-US" sz="1600" dirty="0" smtClean="0">
+              <a:rPr lang="zh-CN" altLang="en-US" sz="1600" dirty="0">
                 <a:solidFill>
                   <a:schemeClr val="tx1"/>
                 </a:solidFill>
               </a:rPr>
               <a:t>轴模组</a:t>
             </a:r>
-            <a:endParaRPr lang="zh-CN" altLang="en-US" sz="1600" dirty="0">
-              <a:solidFill>
-                <a:schemeClr val="tx1"/>
-              </a:solidFill>
-            </a:endParaRPr>
           </a:p>
         </p:txBody>
       </p:sp>
@@ -10893,7 +10673,7 @@
           <a:p>
             <a:pPr algn="ctr"/>
             <a:r>
-              <a:rPr lang="en-US" altLang="zh-CN" sz="1600" dirty="0" smtClean="0">
+              <a:rPr lang="en-US" altLang="zh-CN" sz="1600" dirty="0">
                 <a:solidFill>
                   <a:schemeClr val="tx1"/>
                 </a:solidFill>
@@ -10901,18 +10681,13 @@
               <a:t>X</a:t>
             </a:r>
             <a:r>
-              <a:rPr lang="zh-CN" altLang="en-US" sz="1600" dirty="0" smtClean="0">
+              <a:rPr lang="zh-CN" altLang="en-US" sz="1600" dirty="0">
                 <a:solidFill>
                   <a:schemeClr val="tx1"/>
                 </a:solidFill>
               </a:rPr>
               <a:t>轴搬运模组</a:t>
             </a:r>
-            <a:endParaRPr lang="zh-CN" altLang="en-US" sz="1600" dirty="0">
-              <a:solidFill>
-                <a:schemeClr val="tx1"/>
-              </a:solidFill>
-            </a:endParaRPr>
           </a:p>
         </p:txBody>
       </p:sp>
@@ -11038,10 +10813,10 @@
                 <a:cs typeface="+mn-ea"/>
                 <a:sym typeface="+mn-ea"/>
               </a:rPr>
-              <a:t>整机</a:t>
-            </a:r>
-            <a:r>
-              <a:rPr lang="zh-CN" altLang="en-US" dirty="0" smtClean="0">
+              <a:t>整机设计方案</a:t>
+            </a:r>
+            <a:r>
+              <a:rPr lang="en-US" altLang="zh-CN" dirty="0">
                 <a:solidFill>
                   <a:srgbClr val="006DB2"/>
                 </a:solidFill>
@@ -11050,10 +10825,10 @@
                 <a:cs typeface="+mn-ea"/>
                 <a:sym typeface="+mn-ea"/>
               </a:rPr>
-              <a:t>设计方案</a:t>
-            </a:r>
-            <a:r>
-              <a:rPr lang="en-US" altLang="zh-CN" dirty="0" smtClean="0">
+              <a:t>-</a:t>
+            </a:r>
+            <a:r>
+              <a:rPr lang="zh-CN" altLang="en-US" dirty="0">
                 <a:solidFill>
                   <a:srgbClr val="006DB2"/>
                 </a:solidFill>
@@ -11062,29 +10837,8 @@
                 <a:cs typeface="+mn-ea"/>
                 <a:sym typeface="+mn-ea"/>
               </a:rPr>
-              <a:t>-</a:t>
-            </a:r>
-            <a:r>
-              <a:rPr lang="zh-CN" altLang="en-US" dirty="0" smtClean="0">
-                <a:solidFill>
-                  <a:srgbClr val="006DB2"/>
-                </a:solidFill>
-                <a:latin typeface="+mn-ea"/>
-                <a:ea typeface="+mn-ea"/>
-                <a:cs typeface="+mn-ea"/>
-                <a:sym typeface="+mn-ea"/>
-              </a:rPr>
               <a:t>相机检测工位</a:t>
             </a:r>
-            <a:endParaRPr lang="zh-CN" altLang="en-US" dirty="0">
-              <a:solidFill>
-                <a:srgbClr val="006DB2"/>
-              </a:solidFill>
-              <a:latin typeface="+mn-ea"/>
-              <a:ea typeface="+mn-ea"/>
-              <a:cs typeface="+mn-ea"/>
-              <a:sym typeface="+mn-ea"/>
-            </a:endParaRPr>
           </a:p>
         </p:txBody>
       </p:sp>
@@ -11142,7 +10896,7 @@
               <a:buNone/>
             </a:pPr>
             <a:r>
-              <a:rPr lang="en-US" altLang="zh-CN" sz="1600" dirty="0" smtClean="0">
+              <a:rPr lang="en-US" altLang="zh-CN" sz="1600" dirty="0">
                 <a:solidFill>
                   <a:srgbClr val="002060"/>
                 </a:solidFill>
@@ -11153,7 +10907,7 @@
               <a:t>XZ</a:t>
             </a:r>
             <a:r>
-              <a:rPr lang="zh-CN" altLang="en-US" sz="1600" dirty="0" smtClean="0">
+              <a:rPr lang="zh-CN" altLang="en-US" sz="1600" dirty="0">
                 <a:solidFill>
                   <a:srgbClr val="002060"/>
                 </a:solidFill>
@@ -11253,7 +11007,7 @@
           <a:p>
             <a:pPr algn="ctr"/>
             <a:r>
-              <a:rPr lang="en-US" altLang="zh-CN" sz="1600" dirty="0" smtClean="0">
+              <a:rPr lang="en-US" altLang="zh-CN" sz="1600" dirty="0">
                 <a:solidFill>
                   <a:schemeClr val="tx1"/>
                 </a:solidFill>
@@ -11314,18 +11068,13 @@
           <a:p>
             <a:pPr algn="ctr"/>
             <a:r>
-              <a:rPr lang="zh-CN" altLang="en-US" sz="1600" dirty="0" smtClean="0">
+              <a:rPr lang="zh-CN" altLang="en-US" sz="1600" dirty="0">
                 <a:solidFill>
                   <a:schemeClr val="tx1"/>
                 </a:solidFill>
               </a:rPr>
               <a:t>光源</a:t>
             </a:r>
-            <a:endParaRPr lang="zh-CN" altLang="en-US" sz="1600" dirty="0">
-              <a:solidFill>
-                <a:schemeClr val="tx1"/>
-              </a:solidFill>
-            </a:endParaRPr>
           </a:p>
         </p:txBody>
       </p:sp>
@@ -11375,18 +11124,13 @@
           <a:p>
             <a:pPr algn="ctr"/>
             <a:r>
-              <a:rPr lang="zh-CN" altLang="en-US" sz="1600" dirty="0" smtClean="0">
+              <a:rPr lang="zh-CN" altLang="en-US" sz="1600" dirty="0">
                 <a:solidFill>
                   <a:schemeClr val="tx1"/>
                 </a:solidFill>
               </a:rPr>
               <a:t>丝杆模组</a:t>
             </a:r>
-            <a:endParaRPr lang="zh-CN" altLang="en-US" sz="1600" dirty="0">
-              <a:solidFill>
-                <a:schemeClr val="tx1"/>
-              </a:solidFill>
-            </a:endParaRPr>
           </a:p>
         </p:txBody>
       </p:sp>
@@ -11436,7 +11180,7 @@
           <a:p>
             <a:pPr algn="ctr"/>
             <a:r>
-              <a:rPr lang="en-US" altLang="zh-CN" sz="1600" dirty="0" smtClean="0">
+              <a:rPr lang="en-US" altLang="zh-CN" sz="1600" dirty="0">
                 <a:solidFill>
                   <a:schemeClr val="tx1"/>
                 </a:solidFill>
@@ -11444,18 +11188,13 @@
               <a:t>X</a:t>
             </a:r>
             <a:r>
-              <a:rPr lang="zh-CN" altLang="en-US" sz="1600" dirty="0" smtClean="0">
+              <a:rPr lang="zh-CN" altLang="en-US" sz="1600" dirty="0">
                 <a:solidFill>
                   <a:schemeClr val="tx1"/>
                 </a:solidFill>
               </a:rPr>
               <a:t>轴模组</a:t>
             </a:r>
-            <a:endParaRPr lang="zh-CN" altLang="en-US" sz="1600" dirty="0">
-              <a:solidFill>
-                <a:schemeClr val="tx1"/>
-              </a:solidFill>
-            </a:endParaRPr>
           </a:p>
         </p:txBody>
       </p:sp>
@@ -11490,70 +11229,6 @@
           <a:chExt cx="0" cy="0"/>
         </a:xfrm>
       </p:grpSpPr>
-      <p:pic>
-        <p:nvPicPr>
-          <p:cNvPr id="2050" name="Picture 2"/>
-          <p:cNvPicPr>
-            <a:picLocks noChangeAspect="1" noChangeArrowheads="1"/>
-          </p:cNvPicPr>
-          <p:nvPr/>
-        </p:nvPicPr>
-        <p:blipFill>
-          <a:blip r:embed="rId2">
-            <a:extLst>
-              <a:ext uri="{28A0092B-C50C-407E-A947-70E740481C1C}">
-                <a14:useLocalDpi xmlns:a14="http://schemas.microsoft.com/office/drawing/2010/main" val="0"/>
-              </a:ext>
-            </a:extLst>
-          </a:blip>
-          <a:srcRect/>
-          <a:stretch>
-            <a:fillRect/>
-          </a:stretch>
-        </p:blipFill>
-        <p:spPr bwMode="auto">
-          <a:xfrm>
-            <a:off x="2010298" y="1865030"/>
-            <a:ext cx="6144387" cy="4487932"/>
-          </a:xfrm>
-          <a:prstGeom prst="rect">
-            <a:avLst/>
-          </a:prstGeom>
-          <a:noFill/>
-          <a:ln>
-            <a:noFill/>
-          </a:ln>
-          <a:effectLst/>
-          <a:extLst>
-            <a:ext uri="{909E8E84-426E-40DD-AFC4-6F175D3DCCD1}">
-              <a14:hiddenFill xmlns:a14="http://schemas.microsoft.com/office/drawing/2010/main">
-                <a:solidFill>
-                  <a:schemeClr val="accent1"/>
-                </a:solidFill>
-              </a14:hiddenFill>
-            </a:ext>
-            <a:ext uri="{91240B29-F687-4F45-9708-019B960494DF}">
-              <a14:hiddenLine xmlns:a14="http://schemas.microsoft.com/office/drawing/2010/main" w="9525">
-                <a:solidFill>
-                  <a:schemeClr val="tx1"/>
-                </a:solidFill>
-                <a:miter lim="800000"/>
-                <a:headEnd/>
-                <a:tailEnd/>
-              </a14:hiddenLine>
-            </a:ext>
-            <a:ext uri="{AF507438-7753-43E0-B8FC-AC1667EBCBE1}">
-              <a14:hiddenEffects xmlns:a14="http://schemas.microsoft.com/office/drawing/2010/main">
-                <a:effectLst>
-                  <a:outerShdw dist="35921" dir="2700000" algn="ctr" rotWithShape="0">
-                    <a:schemeClr val="bg2"/>
-                  </a:outerShdw>
-                </a:effectLst>
-              </a14:hiddenEffects>
-            </a:ext>
-          </a:extLst>
-        </p:spPr>
-      </p:pic>
       <p:sp>
         <p:nvSpPr>
           <p:cNvPr id="2" name="标题 1"/>
@@ -11581,10 +11256,10 @@
                 <a:cs typeface="+mn-ea"/>
                 <a:sym typeface="+mn-ea"/>
               </a:rPr>
-              <a:t>整机</a:t>
-            </a:r>
-            <a:r>
-              <a:rPr lang="zh-CN" altLang="en-US" dirty="0" smtClean="0">
+              <a:t>整机设计方案</a:t>
+            </a:r>
+            <a:r>
+              <a:rPr lang="en-US" altLang="zh-CN" dirty="0">
                 <a:solidFill>
                   <a:srgbClr val="006DB2"/>
                 </a:solidFill>
@@ -11593,10 +11268,10 @@
                 <a:cs typeface="+mn-ea"/>
                 <a:sym typeface="+mn-ea"/>
               </a:rPr>
-              <a:t>设计方案</a:t>
-            </a:r>
-            <a:r>
-              <a:rPr lang="en-US" altLang="zh-CN" dirty="0" smtClean="0">
+              <a:t>-</a:t>
+            </a:r>
+            <a:r>
+              <a:rPr lang="zh-CN" altLang="en-US" dirty="0">
                 <a:solidFill>
                   <a:srgbClr val="006DB2"/>
                 </a:solidFill>
@@ -11605,29 +11280,8 @@
                 <a:cs typeface="+mn-ea"/>
                 <a:sym typeface="+mn-ea"/>
               </a:rPr>
-              <a:t>-</a:t>
-            </a:r>
-            <a:r>
-              <a:rPr lang="zh-CN" altLang="en-US" dirty="0" smtClean="0">
-                <a:solidFill>
-                  <a:srgbClr val="006DB2"/>
-                </a:solidFill>
-                <a:latin typeface="+mn-ea"/>
-                <a:ea typeface="+mn-ea"/>
-                <a:cs typeface="+mn-ea"/>
-                <a:sym typeface="+mn-ea"/>
-              </a:rPr>
               <a:t>检测载具工位</a:t>
             </a:r>
-            <a:endParaRPr lang="zh-CN" altLang="en-US" dirty="0">
-              <a:solidFill>
-                <a:srgbClr val="006DB2"/>
-              </a:solidFill>
-              <a:latin typeface="+mn-ea"/>
-              <a:ea typeface="+mn-ea"/>
-              <a:cs typeface="+mn-ea"/>
-              <a:sym typeface="+mn-ea"/>
-            </a:endParaRPr>
           </a:p>
         </p:txBody>
       </p:sp>
@@ -11685,7 +11339,7 @@
               <a:buChar char="Ø"/>
             </a:pPr>
             <a:r>
-              <a:rPr lang="zh-CN" altLang="en-US" sz="1600" dirty="0" smtClean="0">
+              <a:rPr lang="zh-CN" altLang="en-US" sz="1600" dirty="0">
                 <a:solidFill>
                   <a:srgbClr val="002060"/>
                 </a:solidFill>
@@ -11696,7 +11350,7 @@
               <a:t>吸盘同时吸取</a:t>
             </a:r>
             <a:r>
-              <a:rPr lang="en-US" altLang="zh-CN" sz="1600" dirty="0" smtClean="0">
+              <a:rPr lang="en-US" altLang="zh-CN" sz="1600" dirty="0">
                 <a:solidFill>
                   <a:srgbClr val="002060"/>
                 </a:solidFill>
@@ -11707,7 +11361,7 @@
               <a:t>4</a:t>
             </a:r>
             <a:r>
-              <a:rPr lang="zh-CN" altLang="en-US" sz="1600" dirty="0" smtClean="0">
+              <a:rPr lang="zh-CN" altLang="en-US" sz="1600" dirty="0">
                 <a:solidFill>
                   <a:srgbClr val="002060"/>
                 </a:solidFill>
@@ -11718,7 +11372,7 @@
               <a:t>个产品，通过</a:t>
             </a:r>
             <a:r>
-              <a:rPr lang="en-US" altLang="zh-CN" sz="1600" dirty="0" smtClean="0">
+              <a:rPr lang="en-US" altLang="zh-CN" sz="1600" dirty="0">
                 <a:solidFill>
                   <a:srgbClr val="002060"/>
                 </a:solidFill>
@@ -11729,7 +11383,7 @@
               <a:t>Y</a:t>
             </a:r>
             <a:r>
-              <a:rPr lang="zh-CN" altLang="en-US" sz="1600" dirty="0" smtClean="0">
+              <a:rPr lang="zh-CN" altLang="en-US" sz="1600" dirty="0">
                 <a:solidFill>
                   <a:srgbClr val="002060"/>
                 </a:solidFill>
@@ -11737,20 +11391,9 @@
                 <a:cs typeface="+mn-ea"/>
                 <a:sym typeface="+mn-ea"/>
               </a:rPr>
-              <a:t>轴模组动作，使产品位于相机的正下方，通过一维、二维两个方向的旋转，实现全方位检测产品</a:t>
-            </a:r>
-            <a:r>
-              <a:rPr lang="zh-CN" altLang="en-US" sz="1600" dirty="0" smtClean="0">
-                <a:solidFill>
-                  <a:srgbClr val="002060"/>
-                </a:solidFill>
-                <a:latin typeface="+mn-ea"/>
-                <a:cs typeface="+mn-ea"/>
-                <a:sym typeface="+mn-ea"/>
-              </a:rPr>
-              <a:t>；</a:t>
-            </a:r>
-            <a:endParaRPr lang="en-US" altLang="zh-CN" sz="1600" dirty="0" smtClean="0">
+              <a:t>轴模组动作，使产品位于相机的正下方，通过一维、二维两个方向的旋转，实现全方位检测产品；</a:t>
+            </a:r>
+            <a:endParaRPr lang="en-US" altLang="zh-CN" sz="1600" dirty="0">
               <a:solidFill>
                 <a:srgbClr val="002060"/>
               </a:solidFill>
@@ -11770,7 +11413,7 @@
               <a:buChar char="Ø"/>
             </a:pPr>
             <a:r>
-              <a:rPr lang="en-US" altLang="zh-CN" sz="1600" dirty="0" smtClean="0">
+              <a:rPr lang="en-US" altLang="zh-CN" sz="1600" dirty="0">
                 <a:solidFill>
                   <a:srgbClr val="002060"/>
                 </a:solidFill>
@@ -11781,7 +11424,7 @@
               <a:t>R1</a:t>
             </a:r>
             <a:r>
-              <a:rPr lang="zh-CN" altLang="en-US" sz="1600" dirty="0" smtClean="0">
+              <a:rPr lang="zh-CN" altLang="en-US" sz="1600" dirty="0">
                 <a:solidFill>
                   <a:srgbClr val="002060"/>
                 </a:solidFill>
@@ -11792,7 +11435,7 @@
               <a:t>轴与</a:t>
             </a:r>
             <a:r>
-              <a:rPr lang="en-US" altLang="zh-CN" sz="1600" dirty="0" smtClean="0">
+              <a:rPr lang="en-US" altLang="zh-CN" sz="1600" dirty="0">
                 <a:solidFill>
                   <a:srgbClr val="002060"/>
                 </a:solidFill>
@@ -11803,7 +11446,7 @@
               <a:t>R2</a:t>
             </a:r>
             <a:r>
-              <a:rPr lang="zh-CN" altLang="en-US" sz="1600" dirty="0" smtClean="0">
+              <a:rPr lang="zh-CN" altLang="en-US" sz="1600" dirty="0">
                 <a:solidFill>
                   <a:srgbClr val="002060"/>
                 </a:solidFill>
@@ -11814,7 +11457,7 @@
               <a:t>轴旋转</a:t>
             </a:r>
             <a:r>
-              <a:rPr lang="en-US" altLang="zh-CN" sz="1600" dirty="0" smtClean="0">
+              <a:rPr lang="en-US" altLang="zh-CN" sz="1600" dirty="0">
                 <a:solidFill>
                   <a:srgbClr val="002060"/>
                 </a:solidFill>
@@ -11825,7 +11468,7 @@
               <a:t>90°</a:t>
             </a:r>
             <a:r>
-              <a:rPr lang="zh-CN" altLang="en-US" sz="1600" dirty="0" smtClean="0">
+              <a:rPr lang="zh-CN" altLang="en-US" sz="1600" dirty="0">
                 <a:solidFill>
                   <a:srgbClr val="002060"/>
                 </a:solidFill>
@@ -11884,41 +11527,425 @@
       </p:sp>
       <p:grpSp>
         <p:nvGrpSpPr>
-          <p:cNvPr id="4" name="组合 3"/>
+          <p:cNvPr id="3" name="组合 2">
+            <a:extLst>
+              <a:ext uri="{FF2B5EF4-FFF2-40B4-BE49-F238E27FC236}">
+                <a16:creationId xmlns:a16="http://schemas.microsoft.com/office/drawing/2014/main" id="{D0D5A0FE-96FC-43C9-8BDD-F4CF2AFD1600}"/>
+              </a:ext>
+            </a:extLst>
+          </p:cNvPr>
           <p:cNvGrpSpPr/>
           <p:nvPr/>
         </p:nvGrpSpPr>
         <p:grpSpPr>
           <a:xfrm>
-            <a:off x="8573135" y="3328009"/>
-            <a:ext cx="2131060" cy="1905635"/>
-            <a:chOff x="13236" y="5018"/>
-            <a:chExt cx="3356" cy="3001"/>
+            <a:off x="2010298" y="1865030"/>
+            <a:ext cx="8693897" cy="4487932"/>
+            <a:chOff x="2010298" y="1865030"/>
+            <a:chExt cx="8693897" cy="4487932"/>
           </a:xfrm>
         </p:grpSpPr>
+        <p:pic>
+          <p:nvPicPr>
+            <p:cNvPr id="2050" name="Picture 2"/>
+            <p:cNvPicPr>
+              <a:picLocks noChangeAspect="1" noChangeArrowheads="1"/>
+            </p:cNvPicPr>
+            <p:nvPr/>
+          </p:nvPicPr>
+          <p:blipFill>
+            <a:blip r:embed="rId2">
+              <a:extLst>
+                <a:ext uri="{28A0092B-C50C-407E-A947-70E740481C1C}">
+                  <a14:useLocalDpi xmlns:a14="http://schemas.microsoft.com/office/drawing/2010/main" val="0"/>
+                </a:ext>
+              </a:extLst>
+            </a:blip>
+            <a:srcRect/>
+            <a:stretch>
+              <a:fillRect/>
+            </a:stretch>
+          </p:blipFill>
+          <p:spPr bwMode="auto">
+            <a:xfrm>
+              <a:off x="2010298" y="1865030"/>
+              <a:ext cx="6144387" cy="4487932"/>
+            </a:xfrm>
+            <a:prstGeom prst="rect">
+              <a:avLst/>
+            </a:prstGeom>
+            <a:noFill/>
+            <a:ln>
+              <a:noFill/>
+            </a:ln>
+            <a:effectLst/>
+            <a:extLst>
+              <a:ext uri="{909E8E84-426E-40DD-AFC4-6F175D3DCCD1}">
+                <a14:hiddenFill xmlns:a14="http://schemas.microsoft.com/office/drawing/2010/main">
+                  <a:solidFill>
+                    <a:schemeClr val="accent1"/>
+                  </a:solidFill>
+                </a14:hiddenFill>
+              </a:ext>
+              <a:ext uri="{91240B29-F687-4F45-9708-019B960494DF}">
+                <a14:hiddenLine xmlns:a14="http://schemas.microsoft.com/office/drawing/2010/main" w="9525">
+                  <a:solidFill>
+                    <a:schemeClr val="tx1"/>
+                  </a:solidFill>
+                  <a:miter lim="800000"/>
+                  <a:headEnd/>
+                  <a:tailEnd/>
+                </a14:hiddenLine>
+              </a:ext>
+              <a:ext uri="{AF507438-7753-43E0-B8FC-AC1667EBCBE1}">
+                <a14:hiddenEffects xmlns:a14="http://schemas.microsoft.com/office/drawing/2010/main">
+                  <a:effectLst>
+                    <a:outerShdw dist="35921" dir="2700000" algn="ctr" rotWithShape="0">
+                      <a:schemeClr val="bg2"/>
+                    </a:outerShdw>
+                  </a:effectLst>
+                </a14:hiddenEffects>
+              </a:ext>
+            </a:extLst>
+          </p:spPr>
+        </p:pic>
+        <p:grpSp>
+          <p:nvGrpSpPr>
+            <p:cNvPr id="4" name="组合 3"/>
+            <p:cNvGrpSpPr/>
+            <p:nvPr/>
+          </p:nvGrpSpPr>
+          <p:grpSpPr>
+            <a:xfrm>
+              <a:off x="8573135" y="3328009"/>
+              <a:ext cx="2131060" cy="1905635"/>
+              <a:chOff x="13236" y="5018"/>
+              <a:chExt cx="3356" cy="3001"/>
+            </a:xfrm>
+          </p:grpSpPr>
+          <p:sp>
+            <p:nvSpPr>
+              <p:cNvPr id="24" name="线形标注 2 23"/>
+              <p:cNvSpPr/>
+              <p:nvPr/>
+            </p:nvSpPr>
+            <p:spPr>
+              <a:xfrm>
+                <a:off x="13236" y="7472"/>
+                <a:ext cx="2450" cy="547"/>
+              </a:xfrm>
+              <a:prstGeom prst="borderCallout2">
+                <a:avLst>
+                  <a:gd name="adj1" fmla="val 47108"/>
+                  <a:gd name="adj2" fmla="val -333"/>
+                  <a:gd name="adj3" fmla="val 47109"/>
+                  <a:gd name="adj4" fmla="val -27667"/>
+                  <a:gd name="adj5" fmla="val 8473"/>
+                  <a:gd name="adj6" fmla="val -159052"/>
+                </a:avLst>
+              </a:prstGeom>
+              <a:noFill/>
+              <a:ln w="19050"/>
+            </p:spPr>
+            <p:style>
+              <a:lnRef idx="2">
+                <a:schemeClr val="accent1">
+                  <a:shade val="50000"/>
+                </a:schemeClr>
+              </a:lnRef>
+              <a:fillRef idx="1">
+                <a:schemeClr val="accent1"/>
+              </a:fillRef>
+              <a:effectRef idx="0">
+                <a:schemeClr val="accent1"/>
+              </a:effectRef>
+              <a:fontRef idx="minor">
+                <a:schemeClr val="lt1"/>
+              </a:fontRef>
+            </p:style>
+            <p:txBody>
+              <a:bodyPr rtlCol="0" anchor="ctr"/>
+              <a:lstStyle/>
+              <a:p>
+                <a:pPr algn="ctr"/>
+                <a:r>
+                  <a:rPr lang="en-US" altLang="zh-CN" sz="1600" dirty="0">
+                    <a:solidFill>
+                      <a:schemeClr val="tx1"/>
+                    </a:solidFill>
+                  </a:rPr>
+                  <a:t>Y</a:t>
+                </a:r>
+                <a:r>
+                  <a:rPr lang="zh-CN" altLang="en-US" sz="1600" dirty="0">
+                    <a:solidFill>
+                      <a:schemeClr val="tx1"/>
+                    </a:solidFill>
+                  </a:rPr>
+                  <a:t>轴模组</a:t>
+                </a:r>
+              </a:p>
+            </p:txBody>
+          </p:sp>
+          <p:sp>
+            <p:nvSpPr>
+              <p:cNvPr id="18" name="线形标注 2 17"/>
+              <p:cNvSpPr/>
+              <p:nvPr/>
+            </p:nvSpPr>
+            <p:spPr>
+              <a:xfrm>
+                <a:off x="13236" y="5018"/>
+                <a:ext cx="3356" cy="547"/>
+              </a:xfrm>
+              <a:prstGeom prst="borderCallout2">
+                <a:avLst>
+                  <a:gd name="adj1" fmla="val 47108"/>
+                  <a:gd name="adj2" fmla="val -333"/>
+                  <a:gd name="adj3" fmla="val 47166"/>
+                  <a:gd name="adj4" fmla="val -22437"/>
+                  <a:gd name="adj5" fmla="val 77733"/>
+                  <a:gd name="adj6" fmla="val -54559"/>
+                </a:avLst>
+              </a:prstGeom>
+              <a:noFill/>
+              <a:ln w="19050"/>
+            </p:spPr>
+            <p:style>
+              <a:lnRef idx="2">
+                <a:schemeClr val="accent1">
+                  <a:shade val="50000"/>
+                </a:schemeClr>
+              </a:lnRef>
+              <a:fillRef idx="1">
+                <a:schemeClr val="accent1"/>
+              </a:fillRef>
+              <a:effectRef idx="0">
+                <a:schemeClr val="accent1"/>
+              </a:effectRef>
+              <a:fontRef idx="minor">
+                <a:schemeClr val="lt1"/>
+              </a:fontRef>
+            </p:style>
+            <p:txBody>
+              <a:bodyPr rtlCol="0" anchor="ctr"/>
+              <a:lstStyle/>
+              <a:p>
+                <a:pPr algn="ctr"/>
+                <a:r>
+                  <a:rPr lang="zh-CN" altLang="en-US" sz="1600" dirty="0">
+                    <a:solidFill>
+                      <a:schemeClr val="tx1"/>
+                    </a:solidFill>
+                  </a:rPr>
+                  <a:t>带吸盘一维旋转工位</a:t>
+                </a:r>
+              </a:p>
+            </p:txBody>
+          </p:sp>
+          <p:sp>
+            <p:nvSpPr>
+              <p:cNvPr id="16" name="线形标注 2 15"/>
+              <p:cNvSpPr/>
+              <p:nvPr/>
+            </p:nvSpPr>
+            <p:spPr>
+              <a:xfrm>
+                <a:off x="13236" y="6245"/>
+                <a:ext cx="2640" cy="547"/>
+              </a:xfrm>
+              <a:prstGeom prst="borderCallout2">
+                <a:avLst>
+                  <a:gd name="adj1" fmla="val 47108"/>
+                  <a:gd name="adj2" fmla="val -333"/>
+                  <a:gd name="adj3" fmla="val 47109"/>
+                  <a:gd name="adj4" fmla="val -27667"/>
+                  <a:gd name="adj5" fmla="val 18940"/>
+                  <a:gd name="adj6" fmla="val -73401"/>
+                </a:avLst>
+              </a:prstGeom>
+              <a:noFill/>
+              <a:ln w="19050"/>
+            </p:spPr>
+            <p:style>
+              <a:lnRef idx="2">
+                <a:schemeClr val="accent1">
+                  <a:shade val="50000"/>
+                </a:schemeClr>
+              </a:lnRef>
+              <a:fillRef idx="1">
+                <a:schemeClr val="accent1"/>
+              </a:fillRef>
+              <a:effectRef idx="0">
+                <a:schemeClr val="accent1"/>
+              </a:effectRef>
+              <a:fontRef idx="minor">
+                <a:schemeClr val="lt1"/>
+              </a:fontRef>
+            </p:style>
+            <p:txBody>
+              <a:bodyPr rtlCol="0" anchor="ctr"/>
+              <a:lstStyle/>
+              <a:p>
+                <a:pPr algn="ctr"/>
+                <a:r>
+                  <a:rPr lang="zh-CN" altLang="en-US" sz="1600" dirty="0">
+                    <a:solidFill>
+                      <a:schemeClr val="tx1"/>
+                    </a:solidFill>
+                  </a:rPr>
+                  <a:t>二维翻转机构</a:t>
+                </a:r>
+              </a:p>
+            </p:txBody>
+          </p:sp>
+        </p:grpSp>
         <p:sp>
           <p:nvSpPr>
-            <p:cNvPr id="24" name="线形标注 2 23"/>
+            <p:cNvPr id="11" name="左弧形箭头 10"/>
             <p:cNvSpPr/>
             <p:nvPr/>
           </p:nvSpPr>
           <p:spPr>
             <a:xfrm>
-              <a:off x="13236" y="7472"/>
-              <a:ext cx="2450" cy="547"/>
+              <a:off x="4316708" y="3412037"/>
+              <a:ext cx="795528" cy="526634"/>
             </a:xfrm>
-            <a:prstGeom prst="borderCallout2">
-              <a:avLst>
-                <a:gd name="adj1" fmla="val 47108"/>
-                <a:gd name="adj2" fmla="val -333"/>
-                <a:gd name="adj3" fmla="val 47109"/>
-                <a:gd name="adj4" fmla="val -27667"/>
-                <a:gd name="adj5" fmla="val 8473"/>
-                <a:gd name="adj6" fmla="val -159052"/>
-              </a:avLst>
+            <a:prstGeom prst="curvedRightArrow">
+              <a:avLst/>
             </a:prstGeom>
-            <a:noFill/>
-            <a:ln w="19050"/>
+          </p:spPr>
+          <p:style>
+            <a:lnRef idx="2">
+              <a:schemeClr val="accent1">
+                <a:shade val="50000"/>
+              </a:schemeClr>
+            </a:lnRef>
+            <a:fillRef idx="1">
+              <a:schemeClr val="accent1"/>
+            </a:fillRef>
+            <a:effectRef idx="0">
+              <a:schemeClr val="accent1"/>
+            </a:effectRef>
+            <a:fontRef idx="minor">
+              <a:schemeClr val="lt1"/>
+            </a:fontRef>
+          </p:style>
+          <p:txBody>
+            <a:bodyPr rtlCol="0" anchor="ctr"/>
+            <a:lstStyle/>
+            <a:p>
+              <a:pPr algn="ctr"/>
+              <a:endParaRPr lang="zh-CN" altLang="en-US">
+                <a:solidFill>
+                  <a:schemeClr val="tx1"/>
+                </a:solidFill>
+              </a:endParaRPr>
+            </a:p>
+          </p:txBody>
+        </p:sp>
+        <p:sp>
+          <p:nvSpPr>
+            <p:cNvPr id="12" name="上弧形箭头 11"/>
+            <p:cNvSpPr/>
+            <p:nvPr/>
+          </p:nvSpPr>
+          <p:spPr>
+            <a:xfrm rot="869326">
+              <a:off x="6510528" y="2124328"/>
+              <a:ext cx="342900" cy="387160"/>
+            </a:xfrm>
+            <a:prstGeom prst="curvedDownArrow">
+              <a:avLst/>
+            </a:prstGeom>
+          </p:spPr>
+          <p:style>
+            <a:lnRef idx="2">
+              <a:schemeClr val="accent1">
+                <a:shade val="50000"/>
+              </a:schemeClr>
+            </a:lnRef>
+            <a:fillRef idx="1">
+              <a:schemeClr val="accent1"/>
+            </a:fillRef>
+            <a:effectRef idx="0">
+              <a:schemeClr val="accent1"/>
+            </a:effectRef>
+            <a:fontRef idx="minor">
+              <a:schemeClr val="lt1"/>
+            </a:fontRef>
+          </p:style>
+          <p:txBody>
+            <a:bodyPr rtlCol="0" anchor="ctr"/>
+            <a:lstStyle/>
+            <a:p>
+              <a:pPr algn="ctr"/>
+              <a:endParaRPr lang="zh-CN" altLang="en-US">
+                <a:solidFill>
+                  <a:schemeClr val="tx1"/>
+                </a:solidFill>
+              </a:endParaRPr>
+            </a:p>
+          </p:txBody>
+        </p:sp>
+        <p:sp>
+          <p:nvSpPr>
+            <p:cNvPr id="13" name="上弧形箭头 12"/>
+            <p:cNvSpPr/>
+            <p:nvPr/>
+          </p:nvSpPr>
+          <p:spPr>
+            <a:xfrm rot="11602247">
+              <a:off x="7448442" y="3716107"/>
+              <a:ext cx="314509" cy="361422"/>
+            </a:xfrm>
+            <a:prstGeom prst="curvedDownArrow">
+              <a:avLst/>
+            </a:prstGeom>
+          </p:spPr>
+          <p:style>
+            <a:lnRef idx="2">
+              <a:schemeClr val="accent1">
+                <a:shade val="50000"/>
+              </a:schemeClr>
+            </a:lnRef>
+            <a:fillRef idx="1">
+              <a:schemeClr val="accent1"/>
+            </a:fillRef>
+            <a:effectRef idx="0">
+              <a:schemeClr val="accent1"/>
+            </a:effectRef>
+            <a:fontRef idx="minor">
+              <a:schemeClr val="lt1"/>
+            </a:fontRef>
+          </p:style>
+          <p:txBody>
+            <a:bodyPr rtlCol="0" anchor="ctr"/>
+            <a:lstStyle/>
+            <a:p>
+              <a:pPr algn="ctr"/>
+              <a:endParaRPr lang="zh-CN" altLang="en-US">
+                <a:solidFill>
+                  <a:schemeClr val="tx1"/>
+                </a:solidFill>
+              </a:endParaRPr>
+            </a:p>
+          </p:txBody>
+        </p:sp>
+        <p:sp>
+          <p:nvSpPr>
+            <p:cNvPr id="14" name="矩形 13"/>
+            <p:cNvSpPr/>
+            <p:nvPr/>
+          </p:nvSpPr>
+          <p:spPr>
+            <a:xfrm>
+              <a:off x="6896408" y="2782090"/>
+              <a:ext cx="333756" cy="173736"/>
+            </a:xfrm>
+            <a:prstGeom prst="rect">
+              <a:avLst/>
+            </a:prstGeom>
           </p:spPr>
           <p:style>
             <a:lnRef idx="2">
@@ -11942,52 +11969,27 @@
             <a:p>
               <a:pPr algn="ctr"/>
               <a:r>
-                <a:rPr lang="en-US" altLang="zh-CN" sz="1600" dirty="0" smtClean="0">
-                  <a:solidFill>
-                    <a:schemeClr val="tx1"/>
-                  </a:solidFill>
-                </a:rPr>
-                <a:t>Y</a:t>
+                <a:rPr lang="en-US" altLang="zh-CN" sz="1050" dirty="0"/>
+                <a:t>R1</a:t>
               </a:r>
-              <a:r>
-                <a:rPr lang="zh-CN" altLang="en-US" sz="1600" dirty="0" smtClean="0">
-                  <a:solidFill>
-                    <a:schemeClr val="tx1"/>
-                  </a:solidFill>
-                </a:rPr>
-                <a:t>轴模组</a:t>
-              </a:r>
-              <a:endParaRPr lang="zh-CN" altLang="en-US" sz="1600" dirty="0">
-                <a:solidFill>
-                  <a:schemeClr val="tx1"/>
-                </a:solidFill>
-              </a:endParaRPr>
+              <a:endParaRPr lang="zh-CN" altLang="en-US" sz="1050" dirty="0"/>
             </a:p>
           </p:txBody>
         </p:sp>
         <p:sp>
           <p:nvSpPr>
-            <p:cNvPr id="18" name="线形标注 2 17"/>
+            <p:cNvPr id="15" name="矩形 14"/>
             <p:cNvSpPr/>
             <p:nvPr/>
           </p:nvSpPr>
           <p:spPr>
             <a:xfrm>
-              <a:off x="13236" y="5018"/>
-              <a:ext cx="3356" cy="547"/>
+              <a:off x="7674625" y="4020286"/>
+              <a:ext cx="333756" cy="173736"/>
             </a:xfrm>
-            <a:prstGeom prst="borderCallout2">
-              <a:avLst>
-                <a:gd name="adj1" fmla="val 47108"/>
-                <a:gd name="adj2" fmla="val -333"/>
-                <a:gd name="adj3" fmla="val 47166"/>
-                <a:gd name="adj4" fmla="val -22437"/>
-                <a:gd name="adj5" fmla="val 77733"/>
-                <a:gd name="adj6" fmla="val -54559"/>
-              </a:avLst>
+            <a:prstGeom prst="rect">
+              <a:avLst/>
             </a:prstGeom>
-            <a:noFill/>
-            <a:ln w="19050"/>
           </p:spPr>
           <p:style>
             <a:lnRef idx="2">
@@ -12011,293 +12013,14 @@
             <a:p>
               <a:pPr algn="ctr"/>
               <a:r>
-                <a:rPr lang="zh-CN" altLang="en-US" sz="1600" dirty="0">
-                  <a:solidFill>
-                    <a:schemeClr val="tx1"/>
-                  </a:solidFill>
-                </a:rPr>
-                <a:t>带吸盘一维旋转工位</a:t>
+                <a:rPr lang="en-US" altLang="zh-CN" sz="1050" dirty="0"/>
+                <a:t>R2</a:t>
               </a:r>
-            </a:p>
-          </p:txBody>
-        </p:sp>
-        <p:sp>
-          <p:nvSpPr>
-            <p:cNvPr id="16" name="线形标注 2 15"/>
-            <p:cNvSpPr/>
-            <p:nvPr/>
-          </p:nvSpPr>
-          <p:spPr>
-            <a:xfrm>
-              <a:off x="13236" y="6245"/>
-              <a:ext cx="2640" cy="547"/>
-            </a:xfrm>
-            <a:prstGeom prst="borderCallout2">
-              <a:avLst>
-                <a:gd name="adj1" fmla="val 47108"/>
-                <a:gd name="adj2" fmla="val -333"/>
-                <a:gd name="adj3" fmla="val 47109"/>
-                <a:gd name="adj4" fmla="val -27667"/>
-                <a:gd name="adj5" fmla="val 18940"/>
-                <a:gd name="adj6" fmla="val -73401"/>
-              </a:avLst>
-            </a:prstGeom>
-            <a:noFill/>
-            <a:ln w="19050"/>
-          </p:spPr>
-          <p:style>
-            <a:lnRef idx="2">
-              <a:schemeClr val="accent1">
-                <a:shade val="50000"/>
-              </a:schemeClr>
-            </a:lnRef>
-            <a:fillRef idx="1">
-              <a:schemeClr val="accent1"/>
-            </a:fillRef>
-            <a:effectRef idx="0">
-              <a:schemeClr val="accent1"/>
-            </a:effectRef>
-            <a:fontRef idx="minor">
-              <a:schemeClr val="lt1"/>
-            </a:fontRef>
-          </p:style>
-          <p:txBody>
-            <a:bodyPr rtlCol="0" anchor="ctr"/>
-            <a:lstStyle/>
-            <a:p>
-              <a:pPr algn="ctr"/>
-              <a:r>
-                <a:rPr lang="zh-CN" altLang="en-US" sz="1600" dirty="0">
-                  <a:solidFill>
-                    <a:schemeClr val="tx1"/>
-                  </a:solidFill>
-                </a:rPr>
-                <a:t>二维翻转机构</a:t>
-              </a:r>
+              <a:endParaRPr lang="zh-CN" altLang="en-US" sz="1050" dirty="0"/>
             </a:p>
           </p:txBody>
         </p:sp>
       </p:grpSp>
-      <p:sp>
-        <p:nvSpPr>
-          <p:cNvPr id="11" name="左弧形箭头 10"/>
-          <p:cNvSpPr/>
-          <p:nvPr/>
-        </p:nvSpPr>
-        <p:spPr>
-          <a:xfrm>
-            <a:off x="4316708" y="3412037"/>
-            <a:ext cx="795528" cy="526634"/>
-          </a:xfrm>
-          <a:prstGeom prst="curvedRightArrow">
-            <a:avLst/>
-          </a:prstGeom>
-        </p:spPr>
-        <p:style>
-          <a:lnRef idx="2">
-            <a:schemeClr val="accent1">
-              <a:shade val="50000"/>
-            </a:schemeClr>
-          </a:lnRef>
-          <a:fillRef idx="1">
-            <a:schemeClr val="accent1"/>
-          </a:fillRef>
-          <a:effectRef idx="0">
-            <a:schemeClr val="accent1"/>
-          </a:effectRef>
-          <a:fontRef idx="minor">
-            <a:schemeClr val="lt1"/>
-          </a:fontRef>
-        </p:style>
-        <p:txBody>
-          <a:bodyPr rtlCol="0" anchor="ctr"/>
-          <a:lstStyle/>
-          <a:p>
-            <a:pPr algn="ctr"/>
-            <a:endParaRPr lang="zh-CN" altLang="en-US">
-              <a:solidFill>
-                <a:schemeClr val="tx1"/>
-              </a:solidFill>
-            </a:endParaRPr>
-          </a:p>
-        </p:txBody>
-      </p:sp>
-      <p:sp>
-        <p:nvSpPr>
-          <p:cNvPr id="12" name="上弧形箭头 11"/>
-          <p:cNvSpPr/>
-          <p:nvPr/>
-        </p:nvSpPr>
-        <p:spPr>
-          <a:xfrm rot="869326">
-            <a:off x="6510528" y="2124328"/>
-            <a:ext cx="342900" cy="387160"/>
-          </a:xfrm>
-          <a:prstGeom prst="curvedDownArrow">
-            <a:avLst/>
-          </a:prstGeom>
-        </p:spPr>
-        <p:style>
-          <a:lnRef idx="2">
-            <a:schemeClr val="accent1">
-              <a:shade val="50000"/>
-            </a:schemeClr>
-          </a:lnRef>
-          <a:fillRef idx="1">
-            <a:schemeClr val="accent1"/>
-          </a:fillRef>
-          <a:effectRef idx="0">
-            <a:schemeClr val="accent1"/>
-          </a:effectRef>
-          <a:fontRef idx="minor">
-            <a:schemeClr val="lt1"/>
-          </a:fontRef>
-        </p:style>
-        <p:txBody>
-          <a:bodyPr rtlCol="0" anchor="ctr"/>
-          <a:lstStyle/>
-          <a:p>
-            <a:pPr algn="ctr"/>
-            <a:endParaRPr lang="zh-CN" altLang="en-US">
-              <a:solidFill>
-                <a:schemeClr val="tx1"/>
-              </a:solidFill>
-            </a:endParaRPr>
-          </a:p>
-        </p:txBody>
-      </p:sp>
-      <p:sp>
-        <p:nvSpPr>
-          <p:cNvPr id="13" name="上弧形箭头 12"/>
-          <p:cNvSpPr/>
-          <p:nvPr/>
-        </p:nvSpPr>
-        <p:spPr>
-          <a:xfrm rot="11602247">
-            <a:off x="7448442" y="3716107"/>
-            <a:ext cx="314509" cy="361422"/>
-          </a:xfrm>
-          <a:prstGeom prst="curvedDownArrow">
-            <a:avLst/>
-          </a:prstGeom>
-        </p:spPr>
-        <p:style>
-          <a:lnRef idx="2">
-            <a:schemeClr val="accent1">
-              <a:shade val="50000"/>
-            </a:schemeClr>
-          </a:lnRef>
-          <a:fillRef idx="1">
-            <a:schemeClr val="accent1"/>
-          </a:fillRef>
-          <a:effectRef idx="0">
-            <a:schemeClr val="accent1"/>
-          </a:effectRef>
-          <a:fontRef idx="minor">
-            <a:schemeClr val="lt1"/>
-          </a:fontRef>
-        </p:style>
-        <p:txBody>
-          <a:bodyPr rtlCol="0" anchor="ctr"/>
-          <a:lstStyle/>
-          <a:p>
-            <a:pPr algn="ctr"/>
-            <a:endParaRPr lang="zh-CN" altLang="en-US">
-              <a:solidFill>
-                <a:schemeClr val="tx1"/>
-              </a:solidFill>
-            </a:endParaRPr>
-          </a:p>
-        </p:txBody>
-      </p:sp>
-      <p:sp>
-        <p:nvSpPr>
-          <p:cNvPr id="14" name="矩形 13"/>
-          <p:cNvSpPr/>
-          <p:nvPr/>
-        </p:nvSpPr>
-        <p:spPr>
-          <a:xfrm>
-            <a:off x="6896408" y="2782090"/>
-            <a:ext cx="333756" cy="173736"/>
-          </a:xfrm>
-          <a:prstGeom prst="rect">
-            <a:avLst/>
-          </a:prstGeom>
-        </p:spPr>
-        <p:style>
-          <a:lnRef idx="2">
-            <a:schemeClr val="accent1">
-              <a:shade val="50000"/>
-            </a:schemeClr>
-          </a:lnRef>
-          <a:fillRef idx="1">
-            <a:schemeClr val="accent1"/>
-          </a:fillRef>
-          <a:effectRef idx="0">
-            <a:schemeClr val="accent1"/>
-          </a:effectRef>
-          <a:fontRef idx="minor">
-            <a:schemeClr val="lt1"/>
-          </a:fontRef>
-        </p:style>
-        <p:txBody>
-          <a:bodyPr rtlCol="0" anchor="ctr"/>
-          <a:lstStyle/>
-          <a:p>
-            <a:pPr algn="ctr"/>
-            <a:r>
-              <a:rPr lang="en-US" altLang="zh-CN" sz="1050" dirty="0" smtClean="0"/>
-              <a:t>R1</a:t>
-            </a:r>
-            <a:endParaRPr lang="zh-CN" altLang="en-US" sz="1050" dirty="0"/>
-          </a:p>
-        </p:txBody>
-      </p:sp>
-      <p:sp>
-        <p:nvSpPr>
-          <p:cNvPr id="15" name="矩形 14"/>
-          <p:cNvSpPr/>
-          <p:nvPr/>
-        </p:nvSpPr>
-        <p:spPr>
-          <a:xfrm>
-            <a:off x="7674625" y="4020286"/>
-            <a:ext cx="333756" cy="173736"/>
-          </a:xfrm>
-          <a:prstGeom prst="rect">
-            <a:avLst/>
-          </a:prstGeom>
-        </p:spPr>
-        <p:style>
-          <a:lnRef idx="2">
-            <a:schemeClr val="accent1">
-              <a:shade val="50000"/>
-            </a:schemeClr>
-          </a:lnRef>
-          <a:fillRef idx="1">
-            <a:schemeClr val="accent1"/>
-          </a:fillRef>
-          <a:effectRef idx="0">
-            <a:schemeClr val="accent1"/>
-          </a:effectRef>
-          <a:fontRef idx="minor">
-            <a:schemeClr val="lt1"/>
-          </a:fontRef>
-        </p:style>
-        <p:txBody>
-          <a:bodyPr rtlCol="0" anchor="ctr"/>
-          <a:lstStyle/>
-          <a:p>
-            <a:pPr algn="ctr"/>
-            <a:r>
-              <a:rPr lang="en-US" altLang="zh-CN" sz="1050" dirty="0" smtClean="0"/>
-              <a:t>R2</a:t>
-            </a:r>
-            <a:endParaRPr lang="zh-CN" altLang="en-US" sz="1050" dirty="0"/>
-          </a:p>
-        </p:txBody>
-      </p:sp>
     </p:spTree>
     <p:extLst>
       <p:ext uri="{BB962C8B-B14F-4D97-AF65-F5344CB8AC3E}">
@@ -12567,7 +12290,7 @@
   <a:extraClrSchemeLst/>
   <a:extLst>
     <a:ext uri="{05A4C25C-085E-4340-85A3-A5531E510DB2}">
-      <thm15:themeFamily xmlns="" xmlns:thm15="http://schemas.microsoft.com/office/thememl/2012/main" name="Office Theme" id="{62F939B6-93AF-4DB8-9C6B-D6C7DFDC589F}" vid="{4A3C46E8-61CC-4603-A589-7422A47A8E4A}"/>
+      <thm15:themeFamily xmlns:thm15="http://schemas.microsoft.com/office/thememl/2012/main" name="Office Theme" id="{62F939B6-93AF-4DB8-9C6B-D6C7DFDC589F}" vid="{4A3C46E8-61CC-4603-A589-7422A47A8E4A}"/>
     </a:ext>
   </a:extLst>
 </a:theme>
@@ -12828,7 +12551,7 @@
   <a:extraClrSchemeLst/>
   <a:extLst>
     <a:ext uri="{05A4C25C-085E-4340-85A3-A5531E510DB2}">
-      <thm15:themeFamily xmlns="" xmlns:thm15="http://schemas.microsoft.com/office/thememl/2012/main" name="Office Theme" id="{62F939B6-93AF-4DB8-9C6B-D6C7DFDC589F}" vid="{4A3C46E8-61CC-4603-A589-7422A47A8E4A}"/>
+      <thm15:themeFamily xmlns:thm15="http://schemas.microsoft.com/office/thememl/2012/main" name="Office Theme" id="{62F939B6-93AF-4DB8-9C6B-D6C7DFDC589F}" vid="{4A3C46E8-61CC-4603-A589-7422A47A8E4A}"/>
     </a:ext>
   </a:extLst>
 </a:theme>
